--- a/NEflih.pptx
+++ b/NEflih.pptx
@@ -2,7 +2,7 @@
 <file path=ppt/presentation.xml><?xml version="1.0" encoding="utf-8"?>
 <p:presentation xmlns:a="http://schemas.openxmlformats.org/drawingml/2006/main" xmlns:r="http://schemas.openxmlformats.org/officeDocument/2006/relationships" xmlns:p="http://schemas.openxmlformats.org/presentationml/2006/main" autoCompressPictures="0">
   <p:sldMasterIdLst>
-    <p:sldMasterId id="2147483705" r:id="rId1"/>
+    <p:sldMasterId id="2147483831" r:id="rId1"/>
   </p:sldMasterIdLst>
   <p:sldIdLst>
     <p:sldId id="256" r:id="rId2"/>
@@ -108,11 +108,16 @@
       </a:defRPr>
     </a:lvl9pPr>
   </p:defaultTextStyle>
+  <p:extLst>
+    <p:ext uri="{EFAFB233-063F-42B5-8137-9DF3F51BA10A}">
+      <p15:sldGuideLst xmlns:p15="http://schemas.microsoft.com/office/powerpoint/2012/main"/>
+    </p:ext>
+  </p:extLst>
 </p:presentation>
 </file>
 
 <file path=ppt/slideLayouts/slideLayout1.xml><?xml version="1.0" encoding="utf-8"?>
-<p:sldLayout xmlns:a="http://schemas.openxmlformats.org/drawingml/2006/main" xmlns:r="http://schemas.openxmlformats.org/officeDocument/2006/relationships" xmlns:p="http://schemas.openxmlformats.org/presentationml/2006/main" type="title" preserve="1">
+<p:sldLayout xmlns:a="http://schemas.openxmlformats.org/drawingml/2006/main" xmlns:r="http://schemas.openxmlformats.org/officeDocument/2006/relationships" xmlns:p="http://schemas.openxmlformats.org/presentationml/2006/main" showMasterSp="0" type="title" preserve="1">
   <p:cSld name="Diapositiva de título">
     <p:spTree>
       <p:nvGrpSpPr>
@@ -130,7 +135,7 @@
       </p:grpSpPr>
       <p:pic>
         <p:nvPicPr>
-          <p:cNvPr id="8" name="Picture 7" descr="C1-HD-BTM.png"/>
+          <p:cNvPr id="7" name="Picture 6" descr="Brickwork-HD-R1a.jpg"/>
           <p:cNvPicPr>
             <a:picLocks noChangeAspect="1"/>
           </p:cNvPicPr>
@@ -150,28 +155,295 @@
         </p:blipFill>
         <p:spPr>
           <a:xfrm>
-            <a:off x="0" y="4375150"/>
-            <a:ext cx="12192000" cy="2482850"/>
+            <a:off x="0" y="0"/>
+            <a:ext cx="12192000" cy="6858000"/>
           </a:xfrm>
           <a:prstGeom prst="rect">
             <a:avLst/>
           </a:prstGeom>
         </p:spPr>
       </p:pic>
-      <p:sp>
-        <p:nvSpPr>
-          <p:cNvPr id="2" name="Title 1"/>
-          <p:cNvSpPr>
-            <a:spLocks noGrp="1"/>
-          </p:cNvSpPr>
-          <p:nvPr>
-            <p:ph type="ctrTitle"/>
-          </p:nvPr>
+      <p:sp useBgFill="1">
+        <p:nvSpPr>
+          <p:cNvPr id="12" name="Freeform 11"/>
+          <p:cNvSpPr/>
+          <p:nvPr/>
         </p:nvSpPr>
         <p:spPr>
           <a:xfrm>
-            <a:off x="1371600" y="1803405"/>
-            <a:ext cx="9448800" cy="1825096"/>
+            <a:off x="-15875" y="0"/>
+            <a:ext cx="11683810" cy="6588125"/>
+          </a:xfrm>
+          <a:custGeom>
+            <a:avLst/>
+            <a:gdLst/>
+            <a:ahLst/>
+            <a:cxnLst/>
+            <a:rect l="l" t="t" r="r" b="b"/>
+            <a:pathLst>
+              <a:path w="11683810" h="6588125">
+                <a:moveTo>
+                  <a:pt x="0" y="0"/>
+                </a:moveTo>
+                <a:lnTo>
+                  <a:pt x="11318691" y="0"/>
+                </a:lnTo>
+                <a:lnTo>
+                  <a:pt x="11683810" y="5976938"/>
+                </a:lnTo>
+                <a:lnTo>
+                  <a:pt x="15875" y="6588125"/>
+                </a:lnTo>
+                <a:cubicBezTo>
+                  <a:pt x="10583" y="4386792"/>
+                  <a:pt x="5292" y="2185458"/>
+                  <a:pt x="0" y="0"/>
+                </a:cubicBezTo>
+                <a:close/>
+              </a:path>
+            </a:pathLst>
+          </a:custGeom>
+          <a:ln>
+            <a:noFill/>
+          </a:ln>
+          <a:effectLst>
+            <a:outerShdw blurRad="101600" dist="152400" dir="4380000" algn="tl" rotWithShape="0">
+              <a:srgbClr val="000000">
+                <a:alpha val="43000"/>
+              </a:srgbClr>
+            </a:outerShdw>
+          </a:effectLst>
+        </p:spPr>
+        <p:style>
+          <a:lnRef idx="1">
+            <a:schemeClr val="accent1"/>
+          </a:lnRef>
+          <a:fillRef idx="3">
+            <a:schemeClr val="accent1"/>
+          </a:fillRef>
+          <a:effectRef idx="2">
+            <a:schemeClr val="accent1"/>
+          </a:effectRef>
+          <a:fontRef idx="minor">
+            <a:schemeClr val="lt1"/>
+          </a:fontRef>
+        </p:style>
+      </p:sp>
+      <p:sp>
+        <p:nvSpPr>
+          <p:cNvPr id="14" name="Freeform 13"/>
+          <p:cNvSpPr/>
+          <p:nvPr/>
+        </p:nvSpPr>
+        <p:spPr>
+          <a:xfrm>
+            <a:off x="0" y="4282257"/>
+            <a:ext cx="11329257" cy="2028845"/>
+          </a:xfrm>
+          <a:custGeom>
+            <a:avLst/>
+            <a:gdLst/>
+            <a:ahLst/>
+            <a:cxnLst/>
+            <a:rect l="l" t="t" r="r" b="b"/>
+            <a:pathLst>
+              <a:path w="11329257" h="2028845">
+                <a:moveTo>
+                  <a:pt x="0" y="588520"/>
+                </a:moveTo>
+                <a:lnTo>
+                  <a:pt x="11244075" y="0"/>
+                </a:lnTo>
+                <a:lnTo>
+                  <a:pt x="11329257" y="1424838"/>
+                </a:lnTo>
+                <a:lnTo>
+                  <a:pt x="0" y="2028845"/>
+                </a:lnTo>
+                <a:lnTo>
+                  <a:pt x="0" y="588520"/>
+                </a:lnTo>
+                <a:close/>
+              </a:path>
+            </a:pathLst>
+          </a:custGeom>
+          <a:gradFill flip="none" rotWithShape="1">
+            <a:gsLst>
+              <a:gs pos="34000">
+                <a:schemeClr val="accent1"/>
+              </a:gs>
+              <a:gs pos="100000">
+                <a:schemeClr val="accent1">
+                  <a:lumMod val="50000"/>
+                </a:schemeClr>
+              </a:gs>
+            </a:gsLst>
+            <a:path path="circle">
+              <a:fillToRect l="50000" t="50000" r="50000" b="50000"/>
+            </a:path>
+            <a:tileRect/>
+          </a:gradFill>
+          <a:ln>
+            <a:noFill/>
+          </a:ln>
+        </p:spPr>
+        <p:style>
+          <a:lnRef idx="1">
+            <a:schemeClr val="accent1"/>
+          </a:lnRef>
+          <a:fillRef idx="3">
+            <a:schemeClr val="accent1"/>
+          </a:fillRef>
+          <a:effectRef idx="2">
+            <a:schemeClr val="accent1"/>
+          </a:effectRef>
+          <a:fontRef idx="minor">
+            <a:schemeClr val="lt1"/>
+          </a:fontRef>
+        </p:style>
+      </p:sp>
+      <p:sp>
+        <p:nvSpPr>
+          <p:cNvPr id="26" name="Freeform 25"/>
+          <p:cNvSpPr/>
+          <p:nvPr/>
+        </p:nvSpPr>
+        <p:spPr>
+          <a:xfrm>
+            <a:off x="0" y="0"/>
+            <a:ext cx="8719579" cy="456877"/>
+          </a:xfrm>
+          <a:custGeom>
+            <a:avLst/>
+            <a:gdLst/>
+            <a:ahLst/>
+            <a:cxnLst/>
+            <a:rect l="l" t="t" r="r" b="b"/>
+            <a:pathLst>
+              <a:path w="8719579" h="456877">
+                <a:moveTo>
+                  <a:pt x="0" y="0"/>
+                </a:moveTo>
+                <a:lnTo>
+                  <a:pt x="8719579" y="0"/>
+                </a:lnTo>
+                <a:lnTo>
+                  <a:pt x="0" y="456877"/>
+                </a:lnTo>
+                <a:lnTo>
+                  <a:pt x="0" y="0"/>
+                </a:lnTo>
+                <a:close/>
+              </a:path>
+            </a:pathLst>
+          </a:custGeom>
+          <a:gradFill flip="none" rotWithShape="1">
+            <a:gsLst>
+              <a:gs pos="34000">
+                <a:schemeClr val="accent1"/>
+              </a:gs>
+              <a:gs pos="100000">
+                <a:schemeClr val="accent1">
+                  <a:lumMod val="50000"/>
+                </a:schemeClr>
+              </a:gs>
+            </a:gsLst>
+            <a:path path="circle">
+              <a:fillToRect l="50000" t="50000" r="50000" b="50000"/>
+            </a:path>
+            <a:tileRect/>
+          </a:gradFill>
+          <a:ln>
+            <a:noFill/>
+          </a:ln>
+        </p:spPr>
+        <p:style>
+          <a:lnRef idx="1">
+            <a:schemeClr val="accent1"/>
+          </a:lnRef>
+          <a:fillRef idx="3">
+            <a:schemeClr val="accent1"/>
+          </a:fillRef>
+          <a:effectRef idx="2">
+            <a:schemeClr val="accent1"/>
+          </a:effectRef>
+          <a:fontRef idx="minor">
+            <a:schemeClr val="lt1"/>
+          </a:fontRef>
+        </p:style>
+      </p:sp>
+      <p:sp>
+        <p:nvSpPr>
+          <p:cNvPr id="15" name="Freeform 14"/>
+          <p:cNvSpPr/>
+          <p:nvPr/>
+        </p:nvSpPr>
+        <p:spPr>
+          <a:xfrm rot="21420000">
+            <a:off x="-161800" y="293317"/>
+            <a:ext cx="11367116" cy="5751804"/>
+          </a:xfrm>
+          <a:custGeom>
+            <a:avLst/>
+            <a:gdLst/>
+            <a:ahLst/>
+            <a:cxnLst/>
+            <a:rect l="l" t="t" r="r" b="b"/>
+            <a:pathLst>
+              <a:path w="11367116" h="5751804">
+                <a:moveTo>
+                  <a:pt x="11346705" y="0"/>
+                </a:moveTo>
+                <a:cubicBezTo>
+                  <a:pt x="11353509" y="1915114"/>
+                  <a:pt x="11360312" y="3830229"/>
+                  <a:pt x="11367116" y="5745343"/>
+                </a:cubicBezTo>
+                <a:lnTo>
+                  <a:pt x="0" y="5751804"/>
+                </a:lnTo>
+              </a:path>
+            </a:pathLst>
+          </a:custGeom>
+          <a:ln w="82550">
+            <a:solidFill>
+              <a:schemeClr val="tx1">
+                <a:lumMod val="50000"/>
+                <a:lumOff val="50000"/>
+              </a:schemeClr>
+            </a:solidFill>
+            <a:miter lim="800000"/>
+          </a:ln>
+        </p:spPr>
+        <p:style>
+          <a:lnRef idx="2">
+            <a:schemeClr val="accent1"/>
+          </a:lnRef>
+          <a:fillRef idx="0">
+            <a:schemeClr val="accent1"/>
+          </a:fillRef>
+          <a:effectRef idx="1">
+            <a:schemeClr val="accent1"/>
+          </a:effectRef>
+          <a:fontRef idx="minor">
+            <a:schemeClr val="tx1"/>
+          </a:fontRef>
+        </p:style>
+      </p:sp>
+      <p:sp>
+        <p:nvSpPr>
+          <p:cNvPr id="2" name="Title 1"/>
+          <p:cNvSpPr>
+            <a:spLocks noGrp="1"/>
+          </p:cNvSpPr>
+          <p:nvPr>
+            <p:ph type="ctrTitle"/>
+          </p:nvPr>
+        </p:nvSpPr>
+        <p:spPr>
+          <a:xfrm rot="21420000">
+            <a:off x="891201" y="662656"/>
+            <a:ext cx="9755187" cy="2766528"/>
           </a:xfrm>
         </p:spPr>
         <p:txBody>
@@ -179,8 +451,8 @@
             <a:normAutofit/>
           </a:bodyPr>
           <a:lstStyle>
-            <a:lvl1pPr algn="l">
-              <a:defRPr sz="6000"/>
+            <a:lvl1pPr algn="r">
+              <a:defRPr sz="8000"/>
             </a:lvl1pPr>
           </a:lstStyle>
           <a:p>
@@ -203,19 +475,25 @@
           </p:nvPr>
         </p:nvSpPr>
         <p:spPr>
-          <a:xfrm>
-            <a:off x="1371600" y="3632201"/>
-            <a:ext cx="9448800" cy="685800"/>
+          <a:xfrm rot="21420000">
+            <a:off x="983062" y="3505209"/>
+            <a:ext cx="9755187" cy="550333"/>
           </a:xfrm>
         </p:spPr>
         <p:txBody>
-          <a:bodyPr>
-            <a:normAutofit/>
+          <a:bodyPr anchor="t">
+            <a:noAutofit/>
           </a:bodyPr>
           <a:lstStyle>
-            <a:lvl1pPr marL="0" indent="0" algn="l">
-              <a:buNone/>
-              <a:defRPr sz="2000"/>
+            <a:lvl1pPr marL="0" indent="0" algn="r">
+              <a:buNone/>
+              <a:defRPr sz="2800">
+                <a:solidFill>
+                  <a:schemeClr val="bg1">
+                    <a:lumMod val="50000"/>
+                  </a:schemeClr>
+                </a:solidFill>
+              </a:defRPr>
             </a:lvl1pPr>
             <a:lvl2pPr marL="457200" indent="0" algn="ctr">
               <a:buNone/>
@@ -270,14 +548,24 @@
           </p:nvPr>
         </p:nvSpPr>
         <p:spPr>
-          <a:xfrm>
-            <a:off x="7909561" y="4314328"/>
-            <a:ext cx="2910840" cy="374642"/>
+          <a:xfrm rot="21420000">
+            <a:off x="4948541" y="4578463"/>
+            <a:ext cx="6143653" cy="1163112"/>
           </a:xfrm>
         </p:spPr>
         <p:txBody>
           <a:bodyPr/>
-          <a:lstStyle/>
+          <a:lstStyle>
+            <a:lvl1pPr algn="ctr">
+              <a:defRPr sz="5400">
+                <a:solidFill>
+                  <a:schemeClr val="accent1">
+                    <a:lumMod val="50000"/>
+                  </a:schemeClr>
+                </a:solidFill>
+              </a:defRPr>
+            </a:lvl1pPr>
+          </a:lstStyle>
           <a:p>
             <a:fld id="{48A87A34-81AB-432B-8DAE-1953F412C126}" type="datetimeFigureOut">
               <a:rPr lang="en-US" smtClean="0"/>
@@ -298,14 +586,18 @@
           </p:nvPr>
         </p:nvSpPr>
         <p:spPr>
-          <a:xfrm>
-            <a:off x="1371600" y="4323845"/>
-            <a:ext cx="6400800" cy="365125"/>
+          <a:xfrm rot="21420000">
+            <a:off x="-5560" y="4883024"/>
+            <a:ext cx="4047239" cy="1195538"/>
           </a:xfrm>
         </p:spPr>
         <p:txBody>
-          <a:bodyPr/>
-          <a:lstStyle/>
+          <a:bodyPr vert="horz" lIns="91440" tIns="45720" rIns="91440" bIns="45720" rtlCol="0" anchor="ctr"/>
+          <a:lstStyle>
+            <a:lvl1pPr algn="r">
+              <a:defRPr lang="en-US" sz="5400" dirty="0"/>
+            </a:lvl1pPr>
+          </a:lstStyle>
           <a:p>
             <a:endParaRPr lang="en-US" dirty="0"/>
           </a:p>
@@ -322,14 +614,25 @@
           </p:nvPr>
         </p:nvSpPr>
         <p:spPr>
-          <a:xfrm>
-            <a:off x="8077200" y="1430866"/>
-            <a:ext cx="2743200" cy="365125"/>
+          <a:xfrm rot="21420000">
+            <a:off x="9851758" y="3832648"/>
+            <a:ext cx="907186" cy="498470"/>
           </a:xfrm>
         </p:spPr>
         <p:txBody>
           <a:bodyPr/>
-          <a:lstStyle/>
+          <a:lstStyle>
+            <a:lvl1pPr>
+              <a:defRPr sz="2400">
+                <a:solidFill>
+                  <a:schemeClr val="tx1">
+                    <a:lumMod val="75000"/>
+                    <a:lumOff val="25000"/>
+                  </a:schemeClr>
+                </a:solidFill>
+              </a:defRPr>
+            </a:lvl1pPr>
+          </a:lstStyle>
           <a:p>
             <a:fld id="{6D22F896-40B5-4ADD-8801-0D06FADFA095}" type="slidenum">
               <a:rPr lang="en-US" smtClean="0"/>
@@ -339,10 +642,52 @@
           </a:p>
         </p:txBody>
       </p:sp>
+      <p:sp>
+        <p:nvSpPr>
+          <p:cNvPr id="25" name="5-Point Star 24"/>
+          <p:cNvSpPr/>
+          <p:nvPr/>
+        </p:nvSpPr>
+        <p:spPr>
+          <a:xfrm rot="21420000">
+            <a:off x="4221385" y="5111356"/>
+            <a:ext cx="515386" cy="515386"/>
+          </a:xfrm>
+          <a:prstGeom prst="star5">
+            <a:avLst>
+              <a:gd name="adj" fmla="val 26693"/>
+              <a:gd name="hf" fmla="val 105146"/>
+              <a:gd name="vf" fmla="val 110557"/>
+            </a:avLst>
+          </a:prstGeom>
+          <a:solidFill>
+            <a:schemeClr val="tx1">
+              <a:alpha val="40000"/>
+            </a:schemeClr>
+          </a:solidFill>
+          <a:ln>
+            <a:noFill/>
+          </a:ln>
+        </p:spPr>
+        <p:style>
+          <a:lnRef idx="1">
+            <a:schemeClr val="accent1"/>
+          </a:lnRef>
+          <a:fillRef idx="3">
+            <a:schemeClr val="accent1"/>
+          </a:fillRef>
+          <a:effectRef idx="2">
+            <a:schemeClr val="accent1"/>
+          </a:effectRef>
+          <a:fontRef idx="minor">
+            <a:schemeClr val="lt1"/>
+          </a:fontRef>
+        </p:style>
+      </p:sp>
     </p:spTree>
     <p:extLst>
       <p:ext uri="{BB962C8B-B14F-4D97-AF65-F5344CB8AC3E}">
-        <p14:creationId xmlns:p14="http://schemas.microsoft.com/office/powerpoint/2010/main" val="656514174"/>
+        <p14:creationId xmlns:p14="http://schemas.microsoft.com/office/powerpoint/2010/main" val="157271045"/>
       </p:ext>
     </p:extLst>
   </p:cSld>
@@ -381,14 +726,14 @@
         </p:nvSpPr>
         <p:spPr>
           <a:xfrm>
-            <a:off x="685777" y="4697360"/>
-            <a:ext cx="10822034" cy="819355"/>
+            <a:off x="685800" y="4106333"/>
+            <a:ext cx="10394708" cy="588846"/>
           </a:xfrm>
         </p:spPr>
         <p:txBody>
           <a:bodyPr anchor="b"/>
           <a:lstStyle>
-            <a:lvl1pPr algn="l">
+            <a:lvl1pPr>
               <a:defRPr sz="3200"/>
             </a:lvl1pPr>
           </a:lstStyle>
@@ -413,14 +758,22 @@
         </p:nvSpPr>
         <p:spPr>
           <a:xfrm>
-            <a:off x="681727" y="941439"/>
-            <a:ext cx="10821840" cy="3478161"/>
+            <a:off x="685801" y="685799"/>
+            <a:ext cx="10392513" cy="3194903"/>
           </a:xfrm>
+          <a:ln w="57150" cmpd="thinThick">
+            <a:solidFill>
+              <a:schemeClr val="bg1">
+                <a:lumMod val="50000"/>
+              </a:schemeClr>
+            </a:solidFill>
+            <a:miter lim="800000"/>
+          </a:ln>
         </p:spPr>
         <p:txBody>
           <a:bodyPr anchor="t"/>
           <a:lstStyle>
-            <a:lvl1pPr marL="0" indent="0">
+            <a:lvl1pPr marL="0" indent="0" algn="ctr">
               <a:buNone/>
               <a:defRPr sz="3200"/>
             </a:lvl1pPr>
@@ -478,12 +831,12 @@
         </p:nvSpPr>
         <p:spPr>
           <a:xfrm>
-            <a:off x="685800" y="5516715"/>
-            <a:ext cx="10820400" cy="701969"/>
+            <a:off x="685780" y="4702923"/>
+            <a:ext cx="10394728" cy="682472"/>
           </a:xfrm>
         </p:spPr>
         <p:txBody>
-          <a:bodyPr/>
+          <a:bodyPr anchor="t"/>
           <a:lstStyle>
             <a:lvl1pPr marL="0" indent="0" algn="l">
               <a:buNone/>
@@ -599,7 +952,7 @@
     </p:spTree>
     <p:extLst>
       <p:ext uri="{BB962C8B-B14F-4D97-AF65-F5344CB8AC3E}">
-        <p14:creationId xmlns:p14="http://schemas.microsoft.com/office/powerpoint/2010/main" val="2467097993"/>
+        <p14:creationId xmlns:p14="http://schemas.microsoft.com/office/powerpoint/2010/main" val="583817103"/>
       </p:ext>
     </p:extLst>
   </p:cSld>
@@ -610,7 +963,7 @@
 </file>
 
 <file path=ppt/slideLayouts/slideLayout11.xml><?xml version="1.0" encoding="utf-8"?>
-<p:sldLayout xmlns:a="http://schemas.openxmlformats.org/drawingml/2006/main" xmlns:r="http://schemas.openxmlformats.org/officeDocument/2006/relationships" xmlns:p="http://schemas.openxmlformats.org/presentationml/2006/main" showMasterSp="0" preserve="1">
+<p:sldLayout xmlns:a="http://schemas.openxmlformats.org/drawingml/2006/main" xmlns:r="http://schemas.openxmlformats.org/officeDocument/2006/relationships" xmlns:p="http://schemas.openxmlformats.org/presentationml/2006/main" preserve="1">
   <p:cSld name="Título y descripción">
     <p:spTree>
       <p:nvGrpSpPr>
@@ -626,90 +979,64 @@
           <a:chExt cx="0" cy="0"/>
         </a:xfrm>
       </p:grpSpPr>
-      <p:pic>
-        <p:nvPicPr>
-          <p:cNvPr id="9" name="Picture 8" descr="C1-HD-BTM.png"/>
-          <p:cNvPicPr>
-            <a:picLocks noChangeAspect="1"/>
-          </p:cNvPicPr>
-          <p:nvPr/>
-        </p:nvPicPr>
-        <p:blipFill>
-          <a:blip r:embed="rId2">
-            <a:extLst>
-              <a:ext uri="{28A0092B-C50C-407E-A947-70E740481C1C}">
-                <a14:useLocalDpi xmlns:a14="http://schemas.microsoft.com/office/drawing/2010/main" val="0"/>
-              </a:ext>
-            </a:extLst>
-          </a:blip>
-          <a:stretch>
-            <a:fillRect/>
-          </a:stretch>
-        </p:blipFill>
+      <p:sp>
+        <p:nvSpPr>
+          <p:cNvPr id="2" name="Title 1"/>
+          <p:cNvSpPr>
+            <a:spLocks noGrp="1"/>
+          </p:cNvSpPr>
+          <p:nvPr>
+            <p:ph type="title"/>
+          </p:nvPr>
+        </p:nvSpPr>
         <p:spPr>
           <a:xfrm>
-            <a:off x="0" y="4375150"/>
-            <a:ext cx="12192000" cy="2482850"/>
+            <a:off x="685801" y="685800"/>
+            <a:ext cx="10396902" cy="3194903"/>
           </a:xfrm>
-          <a:prstGeom prst="rect">
-            <a:avLst/>
-          </a:prstGeom>
         </p:spPr>
-      </p:pic>
-      <p:sp>
-        <p:nvSpPr>
-          <p:cNvPr id="2" name="Title 1"/>
-          <p:cNvSpPr>
-            <a:spLocks noGrp="1"/>
-          </p:cNvSpPr>
-          <p:nvPr>
-            <p:ph type="title"/>
+        <p:txBody>
+          <a:bodyPr anchor="ctr">
+            <a:normAutofit/>
+          </a:bodyPr>
+          <a:lstStyle>
+            <a:lvl1pPr algn="ctr">
+              <a:defRPr sz="4800"/>
+            </a:lvl1pPr>
+          </a:lstStyle>
+          <a:p>
+            <a:r>
+              <a:rPr lang="es-ES" smtClean="0"/>
+              <a:t>Haga clic para modificar el estilo de título del patrón</a:t>
+            </a:r>
+            <a:endParaRPr lang="en-US" dirty="0"/>
+          </a:p>
+        </p:txBody>
+      </p:sp>
+      <p:sp>
+        <p:nvSpPr>
+          <p:cNvPr id="4" name="Text Placeholder 3"/>
+          <p:cNvSpPr>
+            <a:spLocks noGrp="1"/>
+          </p:cNvSpPr>
+          <p:nvPr>
+            <p:ph type="body" sz="half" idx="2"/>
           </p:nvPr>
         </p:nvSpPr>
         <p:spPr>
           <a:xfrm>
-            <a:off x="685800" y="753532"/>
-            <a:ext cx="10820400" cy="2802467"/>
+            <a:off x="685779" y="4106333"/>
+            <a:ext cx="10394729" cy="1273606"/>
           </a:xfrm>
         </p:spPr>
         <p:txBody>
-          <a:bodyPr anchor="ctr"/>
+          <a:bodyPr anchor="ctr">
+            <a:normAutofit/>
+          </a:bodyPr>
           <a:lstStyle>
-            <a:lvl1pPr algn="l">
-              <a:defRPr sz="3200"/>
-            </a:lvl1pPr>
-          </a:lstStyle>
-          <a:p>
-            <a:r>
-              <a:rPr lang="es-ES" smtClean="0"/>
-              <a:t>Haga clic para modificar el estilo de título del patrón</a:t>
-            </a:r>
-            <a:endParaRPr lang="en-US" dirty="0"/>
-          </a:p>
-        </p:txBody>
-      </p:sp>
-      <p:sp>
-        <p:nvSpPr>
-          <p:cNvPr id="4" name="Text Placeholder 3"/>
-          <p:cNvSpPr>
-            <a:spLocks noGrp="1"/>
-          </p:cNvSpPr>
-          <p:nvPr>
-            <p:ph type="body" sz="half" idx="2"/>
-          </p:nvPr>
-        </p:nvSpPr>
-        <p:spPr>
-          <a:xfrm>
-            <a:off x="1024467" y="3649133"/>
-            <a:ext cx="10130516" cy="999067"/>
-          </a:xfrm>
-        </p:spPr>
-        <p:txBody>
-          <a:bodyPr anchor="ctr"/>
-          <a:lstStyle>
-            <a:lvl1pPr marL="0" indent="0">
-              <a:buNone/>
-              <a:defRPr sz="1600"/>
+            <a:lvl1pPr marL="0" indent="0" algn="ctr">
+              <a:buNone/>
+              <a:defRPr sz="1800"/>
             </a:lvl1pPr>
             <a:lvl2pPr marL="457200" indent="0">
               <a:buNone/>
@@ -763,19 +1090,10 @@
             <p:ph type="dt" sz="half" idx="10"/>
           </p:nvPr>
         </p:nvSpPr>
-        <p:spPr>
-          <a:xfrm>
-            <a:off x="7814452" y="381000"/>
-            <a:ext cx="2910840" cy="365125"/>
-          </a:xfrm>
-        </p:spPr>
+        <p:spPr/>
         <p:txBody>
           <a:bodyPr/>
-          <a:lstStyle>
-            <a:lvl1pPr algn="r">
-              <a:defRPr/>
-            </a:lvl1pPr>
-          </a:lstStyle>
+          <a:lstStyle/>
           <a:p>
             <a:fld id="{48A87A34-81AB-432B-8DAE-1953F412C126}" type="datetimeFigureOut">
               <a:rPr lang="en-US" smtClean="0"/>
@@ -796,12 +1114,7 @@
             <p:ph type="ftr" sz="quarter" idx="11"/>
           </p:nvPr>
         </p:nvSpPr>
-        <p:spPr>
-          <a:xfrm>
-            <a:off x="685800" y="379941"/>
-            <a:ext cx="6991492" cy="365125"/>
-          </a:xfrm>
-        </p:spPr>
+        <p:spPr/>
         <p:txBody>
           <a:bodyPr/>
           <a:lstStyle/>
@@ -820,12 +1133,7 @@
             <p:ph type="sldNum" sz="quarter" idx="12"/>
           </p:nvPr>
         </p:nvSpPr>
-        <p:spPr>
-          <a:xfrm>
-            <a:off x="10862452" y="381000"/>
-            <a:ext cx="643748" cy="365125"/>
-          </a:xfrm>
-        </p:spPr>
+        <p:spPr/>
         <p:txBody>
           <a:bodyPr/>
           <a:lstStyle/>
@@ -841,7 +1149,7 @@
     </p:spTree>
     <p:extLst>
       <p:ext uri="{BB962C8B-B14F-4D97-AF65-F5344CB8AC3E}">
-        <p14:creationId xmlns:p14="http://schemas.microsoft.com/office/powerpoint/2010/main" val="1080273061"/>
+        <p14:creationId xmlns:p14="http://schemas.microsoft.com/office/powerpoint/2010/main" val="3603663485"/>
       </p:ext>
     </p:extLst>
   </p:cSld>
@@ -852,7 +1160,7 @@
 </file>
 
 <file path=ppt/slideLayouts/slideLayout12.xml><?xml version="1.0" encoding="utf-8"?>
-<p:sldLayout xmlns:a="http://schemas.openxmlformats.org/drawingml/2006/main" xmlns:r="http://schemas.openxmlformats.org/officeDocument/2006/relationships" xmlns:p="http://schemas.openxmlformats.org/presentationml/2006/main" showMasterSp="0" preserve="1">
+<p:sldLayout xmlns:a="http://schemas.openxmlformats.org/drawingml/2006/main" xmlns:r="http://schemas.openxmlformats.org/officeDocument/2006/relationships" xmlns:p="http://schemas.openxmlformats.org/presentationml/2006/main" preserve="1">
   <p:cSld name="Cita con descripción">
     <p:spTree>
       <p:nvGrpSpPr>
@@ -868,82 +1176,54 @@
           <a:chExt cx="0" cy="0"/>
         </a:xfrm>
       </p:grpSpPr>
-      <p:pic>
-        <p:nvPicPr>
-          <p:cNvPr id="11" name="Picture 10" descr="C1-HD-BTM.png"/>
-          <p:cNvPicPr>
-            <a:picLocks noChangeAspect="1"/>
-          </p:cNvPicPr>
-          <p:nvPr/>
-        </p:nvPicPr>
-        <p:blipFill>
-          <a:blip r:embed="rId2">
-            <a:extLst>
-              <a:ext uri="{28A0092B-C50C-407E-A947-70E740481C1C}">
-                <a14:useLocalDpi xmlns:a14="http://schemas.microsoft.com/office/drawing/2010/main" val="0"/>
-              </a:ext>
-            </a:extLst>
-          </a:blip>
-          <a:stretch>
-            <a:fillRect/>
-          </a:stretch>
-        </p:blipFill>
+      <p:sp>
+        <p:nvSpPr>
+          <p:cNvPr id="2" name="Title 1"/>
+          <p:cNvSpPr>
+            <a:spLocks noGrp="1"/>
+          </p:cNvSpPr>
+          <p:nvPr>
+            <p:ph type="title"/>
+          </p:nvPr>
+        </p:nvSpPr>
         <p:spPr>
           <a:xfrm>
-            <a:off x="0" y="4375150"/>
-            <a:ext cx="12192000" cy="2482850"/>
+            <a:off x="1121732" y="685800"/>
+            <a:ext cx="9525020" cy="2916704"/>
           </a:xfrm>
-          <a:prstGeom prst="rect">
-            <a:avLst/>
-          </a:prstGeom>
         </p:spPr>
-      </p:pic>
-      <p:sp>
-        <p:nvSpPr>
-          <p:cNvPr id="2" name="Title 1"/>
-          <p:cNvSpPr>
-            <a:spLocks noGrp="1"/>
-          </p:cNvSpPr>
-          <p:nvPr>
-            <p:ph type="title"/>
+        <p:txBody>
+          <a:bodyPr anchor="ctr">
+            <a:normAutofit/>
+          </a:bodyPr>
+          <a:lstStyle>
+            <a:lvl1pPr algn="ctr">
+              <a:defRPr sz="4800"/>
+            </a:lvl1pPr>
+          </a:lstStyle>
+          <a:p>
+            <a:r>
+              <a:rPr lang="es-ES" smtClean="0"/>
+              <a:t>Haga clic para modificar el estilo de título del patrón</a:t>
+            </a:r>
+            <a:endParaRPr lang="en-US" dirty="0"/>
+          </a:p>
+        </p:txBody>
+      </p:sp>
+      <p:sp>
+        <p:nvSpPr>
+          <p:cNvPr id="12" name="Text Placeholder 3"/>
+          <p:cNvSpPr>
+            <a:spLocks noGrp="1"/>
+          </p:cNvSpPr>
+          <p:nvPr>
+            <p:ph type="body" sz="half" idx="13"/>
           </p:nvPr>
         </p:nvSpPr>
         <p:spPr>
           <a:xfrm>
-            <a:off x="1024467" y="753533"/>
-            <a:ext cx="10151533" cy="2604495"/>
-          </a:xfrm>
-        </p:spPr>
-        <p:txBody>
-          <a:bodyPr anchor="ctr"/>
-          <a:lstStyle>
-            <a:lvl1pPr algn="l">
-              <a:defRPr sz="3200"/>
-            </a:lvl1pPr>
-          </a:lstStyle>
-          <a:p>
-            <a:r>
-              <a:rPr lang="es-ES" smtClean="0"/>
-              <a:t>Haga clic para modificar el estilo de título del patrón</a:t>
-            </a:r>
-            <a:endParaRPr lang="en-US" dirty="0"/>
-          </a:p>
-        </p:txBody>
-      </p:sp>
-      <p:sp>
-        <p:nvSpPr>
-          <p:cNvPr id="12" name="Text Placeholder 3"/>
-          <p:cNvSpPr>
-            <a:spLocks noGrp="1"/>
-          </p:cNvSpPr>
-          <p:nvPr>
-            <p:ph type="body" sz="half" idx="13"/>
-          </p:nvPr>
-        </p:nvSpPr>
-        <p:spPr>
-          <a:xfrm>
-            <a:off x="1303865" y="3365556"/>
-            <a:ext cx="9592736" cy="444443"/>
+            <a:off x="1550264" y="3610032"/>
+            <a:ext cx="8667956" cy="377768"/>
           </a:xfrm>
         </p:spPr>
         <p:txBody>
@@ -951,9 +1231,16 @@
             <a:normAutofit/>
           </a:bodyPr>
           <a:lstStyle>
-            <a:lvl1pPr marL="0" indent="0">
-              <a:buNone/>
-              <a:defRPr sz="1400"/>
+            <a:lvl1pPr marL="0" indent="0" algn="r">
+              <a:buNone/>
+              <a:defRPr sz="1400">
+                <a:solidFill>
+                  <a:schemeClr val="tx1">
+                    <a:lumMod val="50000"/>
+                    <a:lumOff val="50000"/>
+                  </a:schemeClr>
+                </a:solidFill>
+              </a:defRPr>
             </a:lvl1pPr>
             <a:lvl2pPr marL="457200" indent="0">
               <a:buNone/>
@@ -1009,8 +1296,8 @@
         </p:nvSpPr>
         <p:spPr>
           <a:xfrm>
-            <a:off x="1024467" y="3959862"/>
-            <a:ext cx="10151533" cy="679871"/>
+            <a:off x="685801" y="4106334"/>
+            <a:ext cx="10396882" cy="1268252"/>
           </a:xfrm>
         </p:spPr>
         <p:txBody>
@@ -1018,9 +1305,9 @@
             <a:normAutofit/>
           </a:bodyPr>
           <a:lstStyle>
-            <a:lvl1pPr marL="0" indent="0">
-              <a:buNone/>
-              <a:defRPr sz="1600"/>
+            <a:lvl1pPr marL="0" indent="0" algn="ctr">
+              <a:buNone/>
+              <a:defRPr sz="1800"/>
             </a:lvl1pPr>
             <a:lvl2pPr marL="457200" indent="0">
               <a:buNone/>
@@ -1074,19 +1361,10 @@
             <p:ph type="dt" sz="half" idx="10"/>
           </p:nvPr>
         </p:nvSpPr>
-        <p:spPr>
-          <a:xfrm>
-            <a:off x="7814452" y="381000"/>
-            <a:ext cx="2910840" cy="365125"/>
-          </a:xfrm>
-        </p:spPr>
+        <p:spPr/>
         <p:txBody>
           <a:bodyPr/>
-          <a:lstStyle>
-            <a:lvl1pPr algn="r">
-              <a:defRPr/>
-            </a:lvl1pPr>
-          </a:lstStyle>
+          <a:lstStyle/>
           <a:p>
             <a:fld id="{48A87A34-81AB-432B-8DAE-1953F412C126}" type="datetimeFigureOut">
               <a:rPr lang="en-US" smtClean="0"/>
@@ -1107,12 +1385,7 @@
             <p:ph type="ftr" sz="quarter" idx="11"/>
           </p:nvPr>
         </p:nvSpPr>
-        <p:spPr>
-          <a:xfrm>
-            <a:off x="685800" y="379941"/>
-            <a:ext cx="6991492" cy="365125"/>
-          </a:xfrm>
-        </p:spPr>
+        <p:spPr/>
         <p:txBody>
           <a:bodyPr/>
           <a:lstStyle/>
@@ -1131,12 +1404,7 @@
             <p:ph type="sldNum" sz="quarter" idx="12"/>
           </p:nvPr>
         </p:nvSpPr>
-        <p:spPr>
-          <a:xfrm>
-            <a:off x="10862452" y="381000"/>
-            <a:ext cx="643748" cy="365125"/>
-          </a:xfrm>
-        </p:spPr>
+        <p:spPr/>
         <p:txBody>
           <a:bodyPr/>
           <a:lstStyle/>
@@ -1151,13 +1419,13 @@
       </p:sp>
       <p:sp>
         <p:nvSpPr>
-          <p:cNvPr id="9" name="TextBox 8"/>
+          <p:cNvPr id="13" name="TextBox 12"/>
           <p:cNvSpPr txBox="1"/>
           <p:nvPr/>
         </p:nvSpPr>
         <p:spPr>
           <a:xfrm>
-            <a:off x="476250" y="933450"/>
+            <a:off x="685801" y="892628"/>
             <a:ext cx="609600" cy="584776"/>
           </a:xfrm>
           <a:prstGeom prst="rect">
@@ -1267,13 +1535,13 @@
       </p:sp>
       <p:sp>
         <p:nvSpPr>
-          <p:cNvPr id="10" name="TextBox 9"/>
+          <p:cNvPr id="14" name="TextBox 13"/>
           <p:cNvSpPr txBox="1"/>
           <p:nvPr/>
         </p:nvSpPr>
         <p:spPr>
           <a:xfrm>
-            <a:off x="10984230" y="2701290"/>
+            <a:off x="10473083" y="2922827"/>
             <a:ext cx="609600" cy="584776"/>
           </a:xfrm>
           <a:prstGeom prst="rect">
@@ -1384,7 +1652,7 @@
     </p:spTree>
     <p:extLst>
       <p:ext uri="{BB962C8B-B14F-4D97-AF65-F5344CB8AC3E}">
-        <p14:creationId xmlns:p14="http://schemas.microsoft.com/office/powerpoint/2010/main" val="1493564546"/>
+        <p14:creationId xmlns:p14="http://schemas.microsoft.com/office/powerpoint/2010/main" val="1527358542"/>
       </p:ext>
     </p:extLst>
   </p:cSld>
@@ -1395,7 +1663,7 @@
 </file>
 
 <file path=ppt/slideLayouts/slideLayout13.xml><?xml version="1.0" encoding="utf-8"?>
-<p:sldLayout xmlns:a="http://schemas.openxmlformats.org/drawingml/2006/main" xmlns:r="http://schemas.openxmlformats.org/officeDocument/2006/relationships" xmlns:p="http://schemas.openxmlformats.org/presentationml/2006/main" showMasterSp="0" preserve="1">
+<p:sldLayout xmlns:a="http://schemas.openxmlformats.org/drawingml/2006/main" xmlns:r="http://schemas.openxmlformats.org/officeDocument/2006/relationships" xmlns:p="http://schemas.openxmlformats.org/presentationml/2006/main" preserve="1">
   <p:cSld name="Tarjeta de nombre">
     <p:spTree>
       <p:nvGrpSpPr>
@@ -1411,90 +1679,64 @@
           <a:chExt cx="0" cy="0"/>
         </a:xfrm>
       </p:grpSpPr>
-      <p:pic>
-        <p:nvPicPr>
-          <p:cNvPr id="8" name="Picture 7" descr="C1-HD-BTM.png"/>
-          <p:cNvPicPr>
-            <a:picLocks noChangeAspect="1"/>
-          </p:cNvPicPr>
-          <p:nvPr/>
-        </p:nvPicPr>
-        <p:blipFill>
-          <a:blip r:embed="rId2">
-            <a:extLst>
-              <a:ext uri="{28A0092B-C50C-407E-A947-70E740481C1C}">
-                <a14:useLocalDpi xmlns:a14="http://schemas.microsoft.com/office/drawing/2010/main" val="0"/>
-              </a:ext>
-            </a:extLst>
-          </a:blip>
-          <a:stretch>
-            <a:fillRect/>
-          </a:stretch>
-        </p:blipFill>
+      <p:sp>
+        <p:nvSpPr>
+          <p:cNvPr id="2" name="Title 1"/>
+          <p:cNvSpPr>
+            <a:spLocks noGrp="1"/>
+          </p:cNvSpPr>
+          <p:nvPr>
+            <p:ph type="title"/>
+          </p:nvPr>
+        </p:nvSpPr>
         <p:spPr>
           <a:xfrm>
-            <a:off x="0" y="4375150"/>
-            <a:ext cx="12192000" cy="2482850"/>
+            <a:off x="685800" y="1723854"/>
+            <a:ext cx="10394707" cy="2511835"/>
           </a:xfrm>
-          <a:prstGeom prst="rect">
-            <a:avLst/>
-          </a:prstGeom>
         </p:spPr>
-      </p:pic>
-      <p:sp>
-        <p:nvSpPr>
-          <p:cNvPr id="2" name="Title 1"/>
-          <p:cNvSpPr>
-            <a:spLocks noGrp="1"/>
-          </p:cNvSpPr>
-          <p:nvPr>
-            <p:ph type="title"/>
+        <p:txBody>
+          <a:bodyPr anchor="b">
+            <a:normAutofit/>
+          </a:bodyPr>
+          <a:lstStyle>
+            <a:lvl1pPr algn="l">
+              <a:defRPr sz="4800"/>
+            </a:lvl1pPr>
+          </a:lstStyle>
+          <a:p>
+            <a:r>
+              <a:rPr lang="es-ES" smtClean="0"/>
+              <a:t>Haga clic para modificar el estilo de título del patrón</a:t>
+            </a:r>
+            <a:endParaRPr lang="en-US" dirty="0"/>
+          </a:p>
+        </p:txBody>
+      </p:sp>
+      <p:sp>
+        <p:nvSpPr>
+          <p:cNvPr id="4" name="Text Placeholder 3"/>
+          <p:cNvSpPr>
+            <a:spLocks noGrp="1"/>
+          </p:cNvSpPr>
+          <p:nvPr>
+            <p:ph type="body" sz="half" idx="2"/>
           </p:nvPr>
         </p:nvSpPr>
         <p:spPr>
           <a:xfrm>
-            <a:off x="1024495" y="1124701"/>
-            <a:ext cx="10146186" cy="2511835"/>
+            <a:off x="685800" y="4247468"/>
+            <a:ext cx="10394707" cy="1140644"/>
           </a:xfrm>
         </p:spPr>
         <p:txBody>
-          <a:bodyPr anchor="b"/>
+          <a:bodyPr anchor="t">
+            <a:normAutofit/>
+          </a:bodyPr>
           <a:lstStyle>
-            <a:lvl1pPr algn="l">
-              <a:defRPr sz="3200"/>
-            </a:lvl1pPr>
-          </a:lstStyle>
-          <a:p>
-            <a:r>
-              <a:rPr lang="es-ES" smtClean="0"/>
-              <a:t>Haga clic para modificar el estilo de título del patrón</a:t>
-            </a:r>
-            <a:endParaRPr lang="en-US" dirty="0"/>
-          </a:p>
-        </p:txBody>
-      </p:sp>
-      <p:sp>
-        <p:nvSpPr>
-          <p:cNvPr id="4" name="Text Placeholder 3"/>
-          <p:cNvSpPr>
-            <a:spLocks noGrp="1"/>
-          </p:cNvSpPr>
-          <p:nvPr>
-            <p:ph type="body" sz="half" idx="2"/>
-          </p:nvPr>
-        </p:nvSpPr>
-        <p:spPr>
-          <a:xfrm>
-            <a:off x="1024467" y="3648315"/>
-            <a:ext cx="10144654" cy="999885"/>
-          </a:xfrm>
-        </p:spPr>
-        <p:txBody>
-          <a:bodyPr anchor="t"/>
-          <a:lstStyle>
-            <a:lvl1pPr marL="0" indent="0">
-              <a:buNone/>
-              <a:defRPr sz="1600"/>
+            <a:lvl1pPr marL="0" indent="0" algn="l">
+              <a:buNone/>
+              <a:defRPr sz="1800"/>
             </a:lvl1pPr>
             <a:lvl2pPr marL="457200" indent="0">
               <a:buNone/>
@@ -1548,19 +1790,10 @@
             <p:ph type="dt" sz="half" idx="10"/>
           </p:nvPr>
         </p:nvSpPr>
-        <p:spPr>
-          <a:xfrm>
-            <a:off x="7814452" y="378883"/>
-            <a:ext cx="2910840" cy="365125"/>
-          </a:xfrm>
-        </p:spPr>
+        <p:spPr/>
         <p:txBody>
           <a:bodyPr/>
-          <a:lstStyle>
-            <a:lvl1pPr algn="r">
-              <a:defRPr/>
-            </a:lvl1pPr>
-          </a:lstStyle>
+          <a:lstStyle/>
           <a:p>
             <a:fld id="{48A87A34-81AB-432B-8DAE-1953F412C126}" type="datetimeFigureOut">
               <a:rPr lang="en-US" smtClean="0"/>
@@ -1581,12 +1814,7 @@
             <p:ph type="ftr" sz="quarter" idx="11"/>
           </p:nvPr>
         </p:nvSpPr>
-        <p:spPr>
-          <a:xfrm>
-            <a:off x="685800" y="378883"/>
-            <a:ext cx="6991492" cy="365125"/>
-          </a:xfrm>
-        </p:spPr>
+        <p:spPr/>
         <p:txBody>
           <a:bodyPr/>
           <a:lstStyle/>
@@ -1605,12 +1833,7 @@
             <p:ph type="sldNum" sz="quarter" idx="12"/>
           </p:nvPr>
         </p:nvSpPr>
-        <p:spPr>
-          <a:xfrm>
-            <a:off x="10862452" y="381000"/>
-            <a:ext cx="643748" cy="365125"/>
-          </a:xfrm>
-        </p:spPr>
+        <p:spPr/>
         <p:txBody>
           <a:bodyPr/>
           <a:lstStyle/>
@@ -1626,7 +1849,7 @@
     </p:spTree>
     <p:extLst>
       <p:ext uri="{BB962C8B-B14F-4D97-AF65-F5344CB8AC3E}">
-        <p14:creationId xmlns:p14="http://schemas.microsoft.com/office/powerpoint/2010/main" val="904881283"/>
+        <p14:creationId xmlns:p14="http://schemas.microsoft.com/office/powerpoint/2010/main" val="269710497"/>
       </p:ext>
     </p:extLst>
   </p:cSld>
@@ -1665,13 +1888,17 @@
         </p:nvSpPr>
         <p:spPr>
           <a:xfrm>
-            <a:off x="2895600" y="761999"/>
-            <a:ext cx="8610599" cy="1303867"/>
+            <a:off x="685802" y="685800"/>
+            <a:ext cx="10394706" cy="1151965"/>
           </a:xfrm>
         </p:spPr>
         <p:txBody>
           <a:bodyPr/>
-          <a:lstStyle/>
+          <a:lstStyle>
+            <a:lvl1pPr algn="ctr">
+              <a:defRPr/>
+            </a:lvl1pPr>
+          </a:lstStyle>
           <a:p>
             <a:r>
               <a:rPr lang="es-ES" smtClean="0"/>
@@ -1693,8 +1920,8 @@
         </p:nvSpPr>
         <p:spPr>
           <a:xfrm>
-            <a:off x="685800" y="2202080"/>
-            <a:ext cx="3456432" cy="617320"/>
+            <a:off x="685802" y="2063395"/>
+            <a:ext cx="3310128" cy="576262"/>
           </a:xfrm>
         </p:spPr>
         <p:txBody>
@@ -1702,11 +1929,14 @@
             <a:noAutofit/>
           </a:bodyPr>
           <a:lstStyle>
-            <a:lvl1pPr marL="0" indent="0">
+            <a:lvl1pPr marL="0" indent="0" algn="ctr">
+              <a:lnSpc>
+                <a:spcPct val="90000"/>
+              </a:lnSpc>
               <a:buNone/>
               <a:defRPr sz="2400" b="0">
                 <a:solidFill>
-                  <a:schemeClr val="tx1"/>
+                  <a:schemeClr val="accent1"/>
                 </a:solidFill>
               </a:defRPr>
             </a:lvl1pPr>
@@ -1764,8 +1994,8 @@
         </p:nvSpPr>
         <p:spPr>
           <a:xfrm>
-            <a:off x="685799" y="2904565"/>
-            <a:ext cx="3456432" cy="3314132"/>
+            <a:off x="685802" y="2639658"/>
+            <a:ext cx="3310128" cy="2734928"/>
           </a:xfrm>
         </p:spPr>
         <p:txBody>
@@ -1773,7 +2003,7 @@
             <a:normAutofit/>
           </a:bodyPr>
           <a:lstStyle>
-            <a:lvl1pPr marL="0" indent="0">
+            <a:lvl1pPr marL="0" indent="0" algn="ctr">
               <a:buNone/>
               <a:defRPr sz="1400"/>
             </a:lvl1pPr>
@@ -1831,8 +2061,8 @@
         </p:nvSpPr>
         <p:spPr>
           <a:xfrm>
-            <a:off x="4368800" y="2201333"/>
-            <a:ext cx="3456432" cy="626534"/>
+            <a:off x="4234622" y="2063395"/>
+            <a:ext cx="3310128" cy="576262"/>
           </a:xfrm>
         </p:spPr>
         <p:txBody>
@@ -1840,11 +2070,14 @@
             <a:noAutofit/>
           </a:bodyPr>
           <a:lstStyle>
-            <a:lvl1pPr marL="0" indent="0">
+            <a:lvl1pPr marL="0" indent="0" algn="ctr">
+              <a:lnSpc>
+                <a:spcPct val="90000"/>
+              </a:lnSpc>
               <a:buNone/>
               <a:defRPr sz="2400" b="0">
                 <a:solidFill>
-                  <a:schemeClr val="tx1"/>
+                  <a:schemeClr val="accent1"/>
                 </a:solidFill>
               </a:defRPr>
             </a:lvl1pPr>
@@ -1902,8 +2135,8 @@
         </p:nvSpPr>
         <p:spPr>
           <a:xfrm>
-            <a:off x="4366858" y="2904067"/>
-            <a:ext cx="3456432" cy="3314618"/>
+            <a:off x="4234621" y="2639658"/>
+            <a:ext cx="3310128" cy="2734928"/>
           </a:xfrm>
         </p:spPr>
         <p:txBody>
@@ -1911,7 +2144,7 @@
             <a:normAutofit/>
           </a:bodyPr>
           <a:lstStyle>
-            <a:lvl1pPr marL="0" indent="0">
+            <a:lvl1pPr marL="0" indent="0" algn="ctr">
               <a:buNone/>
               <a:defRPr sz="1400"/>
             </a:lvl1pPr>
@@ -1969,8 +2202,8 @@
         </p:nvSpPr>
         <p:spPr>
           <a:xfrm>
-            <a:off x="8051800" y="2192866"/>
-            <a:ext cx="3456432" cy="626534"/>
+            <a:off x="7770380" y="2063395"/>
+            <a:ext cx="3310128" cy="576262"/>
           </a:xfrm>
         </p:spPr>
         <p:txBody>
@@ -1978,11 +2211,14 @@
             <a:noAutofit/>
           </a:bodyPr>
           <a:lstStyle>
-            <a:lvl1pPr marL="0" indent="0">
+            <a:lvl1pPr marL="0" indent="0" algn="ctr">
+              <a:lnSpc>
+                <a:spcPct val="90000"/>
+              </a:lnSpc>
               <a:buNone/>
               <a:defRPr sz="2400" b="0">
                 <a:solidFill>
-                  <a:schemeClr val="tx1"/>
+                  <a:schemeClr val="accent1"/>
                 </a:solidFill>
               </a:defRPr>
             </a:lvl1pPr>
@@ -2040,8 +2276,8 @@
         </p:nvSpPr>
         <p:spPr>
           <a:xfrm>
-            <a:off x="8051801" y="2904565"/>
-            <a:ext cx="3456432" cy="3314132"/>
+            <a:off x="7770380" y="2639658"/>
+            <a:ext cx="3310128" cy="2734928"/>
           </a:xfrm>
         </p:spPr>
         <p:txBody>
@@ -2049,7 +2285,7 @@
             <a:normAutofit/>
           </a:bodyPr>
           <a:lstStyle>
-            <a:lvl1pPr marL="0" indent="0">
+            <a:lvl1pPr marL="0" indent="0" algn="ctr">
               <a:buNone/>
               <a:defRPr sz="1400"/>
             </a:lvl1pPr>
@@ -2163,7 +2399,7 @@
     </p:spTree>
     <p:extLst>
       <p:ext uri="{BB962C8B-B14F-4D97-AF65-F5344CB8AC3E}">
-        <p14:creationId xmlns:p14="http://schemas.microsoft.com/office/powerpoint/2010/main" val="56936461"/>
+        <p14:creationId xmlns:p14="http://schemas.microsoft.com/office/powerpoint/2010/main" val="1225044303"/>
       </p:ext>
     </p:extLst>
   </p:cSld>
@@ -2202,13 +2438,17 @@
         </p:nvSpPr>
         <p:spPr>
           <a:xfrm>
-            <a:off x="2895600" y="762000"/>
-            <a:ext cx="8610599" cy="1295400"/>
+            <a:off x="685801" y="685800"/>
+            <a:ext cx="10396882" cy="1151965"/>
           </a:xfrm>
         </p:spPr>
         <p:txBody>
           <a:bodyPr/>
-          <a:lstStyle/>
+          <a:lstStyle>
+            <a:lvl1pPr algn="ctr">
+              <a:defRPr/>
+            </a:lvl1pPr>
+          </a:lstStyle>
           <a:p>
             <a:r>
               <a:rPr lang="es-ES" smtClean="0"/>
@@ -2230,8 +2470,8 @@
         </p:nvSpPr>
         <p:spPr>
           <a:xfrm>
-            <a:off x="688618" y="4191000"/>
-            <a:ext cx="3451582" cy="682765"/>
+            <a:off x="691840" y="3813025"/>
+            <a:ext cx="3310128" cy="576262"/>
           </a:xfrm>
         </p:spPr>
         <p:txBody>
@@ -2239,11 +2479,14 @@
             <a:noAutofit/>
           </a:bodyPr>
           <a:lstStyle>
-            <a:lvl1pPr marL="0" indent="0">
-              <a:buNone/>
-              <a:defRPr sz="2400" b="0">
+            <a:lvl1pPr marL="0" indent="0" algn="ctr">
+              <a:lnSpc>
+                <a:spcPct val="90000"/>
+              </a:lnSpc>
+              <a:buNone/>
+              <a:defRPr sz="2200" b="0">
                 <a:solidFill>
-                  <a:schemeClr val="tx1"/>
+                  <a:schemeClr val="accent1"/>
                 </a:solidFill>
               </a:defRPr>
             </a:lvl1pPr>
@@ -2301,21 +2544,22 @@
         </p:nvSpPr>
         <p:spPr>
           <a:xfrm>
-            <a:off x="688618" y="2362200"/>
-            <a:ext cx="3451582" cy="1524000"/>
+            <a:off x="685780" y="2063395"/>
+            <a:ext cx="3310128" cy="1536725"/>
           </a:xfrm>
           <a:prstGeom prst="roundRect">
             <a:avLst>
               <a:gd name="adj" fmla="val 0"/>
             </a:avLst>
           </a:prstGeom>
-          <a:effectLst>
-            <a:outerShdw blurRad="50800" dist="50800" dir="5400000" algn="tl" rotWithShape="0">
-              <a:srgbClr val="000000">
-                <a:alpha val="43000"/>
-              </a:srgbClr>
-            </a:outerShdw>
-          </a:effectLst>
+          <a:ln w="57150" cmpd="thinThick">
+            <a:solidFill>
+              <a:schemeClr val="bg1">
+                <a:lumMod val="50000"/>
+              </a:schemeClr>
+            </a:solidFill>
+            <a:miter lim="800000"/>
+          </a:ln>
         </p:spPr>
         <p:txBody>
           <a:bodyPr anchor="t">
@@ -2380,8 +2624,8 @@
         </p:nvSpPr>
         <p:spPr>
           <a:xfrm>
-            <a:off x="688618" y="4873764"/>
-            <a:ext cx="3451582" cy="1344921"/>
+            <a:off x="691840" y="4389287"/>
+            <a:ext cx="3310128" cy="985299"/>
           </a:xfrm>
         </p:spPr>
         <p:txBody>
@@ -2389,7 +2633,7 @@
             <a:normAutofit/>
           </a:bodyPr>
           <a:lstStyle>
-            <a:lvl1pPr marL="0" indent="0">
+            <a:lvl1pPr marL="0" indent="0" algn="ctr">
               <a:buNone/>
               <a:defRPr sz="1400"/>
             </a:lvl1pPr>
@@ -2447,8 +2691,8 @@
         </p:nvSpPr>
         <p:spPr>
           <a:xfrm>
-            <a:off x="4374263" y="4191000"/>
-            <a:ext cx="3448935" cy="682765"/>
+            <a:off x="4237410" y="3813025"/>
+            <a:ext cx="3310128" cy="576262"/>
           </a:xfrm>
         </p:spPr>
         <p:txBody>
@@ -2456,11 +2700,14 @@
             <a:noAutofit/>
           </a:bodyPr>
           <a:lstStyle>
-            <a:lvl1pPr marL="0" indent="0">
-              <a:buNone/>
-              <a:defRPr sz="2400" b="0">
+            <a:lvl1pPr marL="0" indent="0" algn="ctr">
+              <a:lnSpc>
+                <a:spcPct val="90000"/>
+              </a:lnSpc>
+              <a:buNone/>
+              <a:defRPr sz="2200" b="0">
                 <a:solidFill>
-                  <a:schemeClr val="tx1"/>
+                  <a:schemeClr val="accent1"/>
                 </a:solidFill>
               </a:defRPr>
             </a:lvl1pPr>
@@ -2518,21 +2765,22 @@
         </p:nvSpPr>
         <p:spPr>
           <a:xfrm>
-            <a:off x="4374263" y="2362200"/>
-            <a:ext cx="3448936" cy="1524000"/>
+            <a:off x="4235999" y="2063395"/>
+            <a:ext cx="3310128" cy="1535237"/>
           </a:xfrm>
           <a:prstGeom prst="roundRect">
             <a:avLst>
               <a:gd name="adj" fmla="val 0"/>
             </a:avLst>
           </a:prstGeom>
-          <a:effectLst>
-            <a:outerShdw blurRad="50800" dist="50800" dir="5400000" algn="tl" rotWithShape="0">
-              <a:srgbClr val="000000">
-                <a:alpha val="43000"/>
-              </a:srgbClr>
-            </a:outerShdw>
-          </a:effectLst>
+          <a:ln w="57150" cmpd="thinThick">
+            <a:solidFill>
+              <a:schemeClr val="bg1">
+                <a:lumMod val="50000"/>
+              </a:schemeClr>
+            </a:solidFill>
+            <a:miter lim="800000"/>
+          </a:ln>
         </p:spPr>
         <p:txBody>
           <a:bodyPr anchor="t">
@@ -2597,8 +2845,8 @@
         </p:nvSpPr>
         <p:spPr>
           <a:xfrm>
-            <a:off x="4374264" y="4873763"/>
-            <a:ext cx="3448935" cy="1344921"/>
+            <a:off x="4235999" y="4389286"/>
+            <a:ext cx="3310128" cy="985300"/>
           </a:xfrm>
         </p:spPr>
         <p:txBody>
@@ -2606,7 +2854,7 @@
             <a:normAutofit/>
           </a:bodyPr>
           <a:lstStyle>
-            <a:lvl1pPr marL="0" indent="0">
+            <a:lvl1pPr marL="0" indent="0" algn="ctr">
               <a:buNone/>
               <a:defRPr sz="1400"/>
             </a:lvl1pPr>
@@ -2664,8 +2912,8 @@
         </p:nvSpPr>
         <p:spPr>
           <a:xfrm>
-            <a:off x="8049731" y="4191000"/>
-            <a:ext cx="3456469" cy="682765"/>
+            <a:off x="7768944" y="3813025"/>
+            <a:ext cx="3310128" cy="576262"/>
           </a:xfrm>
         </p:spPr>
         <p:txBody>
@@ -2673,11 +2921,14 @@
             <a:noAutofit/>
           </a:bodyPr>
           <a:lstStyle>
-            <a:lvl1pPr marL="0" indent="0">
-              <a:buNone/>
-              <a:defRPr sz="2400" b="0">
+            <a:lvl1pPr marL="0" indent="0" algn="ctr">
+              <a:lnSpc>
+                <a:spcPct val="90000"/>
+              </a:lnSpc>
+              <a:buNone/>
+              <a:defRPr sz="2200" b="0">
                 <a:solidFill>
-                  <a:schemeClr val="tx1"/>
+                  <a:schemeClr val="accent1"/>
                 </a:solidFill>
               </a:defRPr>
             </a:lvl1pPr>
@@ -2735,21 +2986,22 @@
         </p:nvSpPr>
         <p:spPr>
           <a:xfrm>
-            <a:off x="8049855" y="2362200"/>
-            <a:ext cx="3447878" cy="1524000"/>
+            <a:off x="7768819" y="2063394"/>
+            <a:ext cx="3310128" cy="1537196"/>
           </a:xfrm>
           <a:prstGeom prst="roundRect">
             <a:avLst>
               <a:gd name="adj" fmla="val 0"/>
             </a:avLst>
           </a:prstGeom>
-          <a:effectLst>
-            <a:outerShdw blurRad="50800" dist="50800" dir="5400000" algn="tl" rotWithShape="0">
-              <a:srgbClr val="000000">
-                <a:alpha val="43000"/>
-              </a:srgbClr>
-            </a:outerShdw>
-          </a:effectLst>
+          <a:ln w="57150" cmpd="thinThick">
+            <a:solidFill>
+              <a:schemeClr val="bg1">
+                <a:lumMod val="50000"/>
+              </a:schemeClr>
+            </a:solidFill>
+            <a:miter lim="800000"/>
+          </a:ln>
         </p:spPr>
         <p:txBody>
           <a:bodyPr anchor="t">
@@ -2814,8 +3066,8 @@
         </p:nvSpPr>
         <p:spPr>
           <a:xfrm>
-            <a:off x="8049731" y="4873761"/>
-            <a:ext cx="3452445" cy="1344921"/>
+            <a:off x="7768819" y="4389284"/>
+            <a:ext cx="3310128" cy="985302"/>
           </a:xfrm>
         </p:spPr>
         <p:txBody>
@@ -2823,7 +3075,7 @@
             <a:normAutofit/>
           </a:bodyPr>
           <a:lstStyle>
-            <a:lvl1pPr marL="0" indent="0">
+            <a:lvl1pPr marL="0" indent="0" algn="ctr">
               <a:buNone/>
               <a:defRPr sz="1400"/>
             </a:lvl1pPr>
@@ -2937,7 +3189,7 @@
     </p:spTree>
     <p:extLst>
       <p:ext uri="{BB962C8B-B14F-4D97-AF65-F5344CB8AC3E}">
-        <p14:creationId xmlns:p14="http://schemas.microsoft.com/office/powerpoint/2010/main" val="468259255"/>
+        <p14:creationId xmlns:p14="http://schemas.microsoft.com/office/powerpoint/2010/main" val="1251717667"/>
       </p:ext>
     </p:extLst>
   </p:cSld>
@@ -2977,7 +3229,11 @@
         <p:spPr/>
         <p:txBody>
           <a:bodyPr/>
-          <a:lstStyle/>
+          <a:lstStyle>
+            <a:lvl1pPr algn="r">
+              <a:defRPr/>
+            </a:lvl1pPr>
+          </a:lstStyle>
           <a:p>
             <a:r>
               <a:rPr lang="es-ES" smtClean="0"/>
@@ -2989,22 +3245,22 @@
       </p:sp>
       <p:sp>
         <p:nvSpPr>
-          <p:cNvPr id="3" name="Vertical Text Placeholder 2"/>
-          <p:cNvSpPr>
-            <a:spLocks noGrp="1"/>
-          </p:cNvSpPr>
-          <p:nvPr>
-            <p:ph type="body" orient="vert" idx="1"/>
+          <p:cNvPr id="11" name="Vertical Text Placeholder 2"/>
+          <p:cNvSpPr>
+            <a:spLocks noGrp="1"/>
+          </p:cNvSpPr>
+          <p:nvPr>
+            <p:ph type="body" orient="vert" sz="quarter" idx="13"/>
           </p:nvPr>
         </p:nvSpPr>
         <p:spPr>
           <a:xfrm>
-            <a:off x="685800" y="2194559"/>
-            <a:ext cx="10820400" cy="4024125"/>
+            <a:off x="685800" y="2063396"/>
+            <a:ext cx="10394707" cy="3311190"/>
           </a:xfrm>
         </p:spPr>
         <p:txBody>
-          <a:bodyPr vert="eaVert"/>
+          <a:bodyPr vert="eaVert" anchor="t"/>
           <a:lstStyle/>
           <a:p>
             <a:pPr lvl="0"/>
@@ -3112,7 +3368,7 @@
     </p:spTree>
     <p:extLst>
       <p:ext uri="{BB962C8B-B14F-4D97-AF65-F5344CB8AC3E}">
-        <p14:creationId xmlns:p14="http://schemas.microsoft.com/office/powerpoint/2010/main" val="1543280716"/>
+        <p14:creationId xmlns:p14="http://schemas.microsoft.com/office/powerpoint/2010/main" val="1810043849"/>
       </p:ext>
     </p:extLst>
   </p:cSld>
@@ -3123,7 +3379,7 @@
 </file>
 
 <file path=ppt/slideLayouts/slideLayout17.xml><?xml version="1.0" encoding="utf-8"?>
-<p:sldLayout xmlns:a="http://schemas.openxmlformats.org/drawingml/2006/main" xmlns:r="http://schemas.openxmlformats.org/officeDocument/2006/relationships" xmlns:p="http://schemas.openxmlformats.org/presentationml/2006/main" showMasterSp="0" type="vertTitleAndTx" preserve="1">
+<p:sldLayout xmlns:a="http://schemas.openxmlformats.org/drawingml/2006/main" xmlns:r="http://schemas.openxmlformats.org/officeDocument/2006/relationships" xmlns:p="http://schemas.openxmlformats.org/presentationml/2006/main" type="vertTitleAndTx" preserve="1">
   <p:cSld name="Título vertical y texto">
     <p:spTree>
       <p:nvGrpSpPr>
@@ -3139,50 +3395,20 @@
           <a:chExt cx="0" cy="0"/>
         </a:xfrm>
       </p:grpSpPr>
-      <p:pic>
-        <p:nvPicPr>
-          <p:cNvPr id="9" name="Picture 8" descr="C1-HD-BTM.png"/>
-          <p:cNvPicPr>
-            <a:picLocks noChangeAspect="1"/>
-          </p:cNvPicPr>
-          <p:nvPr/>
-        </p:nvPicPr>
-        <p:blipFill>
-          <a:blip r:embed="rId2">
-            <a:extLst>
-              <a:ext uri="{28A0092B-C50C-407E-A947-70E740481C1C}">
-                <a14:useLocalDpi xmlns:a14="http://schemas.microsoft.com/office/drawing/2010/main" val="0"/>
-              </a:ext>
-            </a:extLst>
-          </a:blip>
-          <a:stretch>
-            <a:fillRect/>
-          </a:stretch>
-        </p:blipFill>
+      <p:sp>
+        <p:nvSpPr>
+          <p:cNvPr id="2" name="Vertical Title 1"/>
+          <p:cNvSpPr>
+            <a:spLocks noGrp="1"/>
+          </p:cNvSpPr>
+          <p:nvPr>
+            <p:ph type="title" orient="vert"/>
+          </p:nvPr>
+        </p:nvSpPr>
         <p:spPr>
           <a:xfrm>
-            <a:off x="0" y="4375150"/>
-            <a:ext cx="12192000" cy="2482850"/>
-          </a:xfrm>
-          <a:prstGeom prst="rect">
-            <a:avLst/>
-          </a:prstGeom>
-        </p:spPr>
-      </p:pic>
-      <p:sp>
-        <p:nvSpPr>
-          <p:cNvPr id="2" name="Vertical Title 1"/>
-          <p:cNvSpPr>
-            <a:spLocks noGrp="1"/>
-          </p:cNvSpPr>
-          <p:nvPr>
-            <p:ph type="title" orient="vert"/>
-          </p:nvPr>
-        </p:nvSpPr>
-        <p:spPr>
-          <a:xfrm>
-            <a:off x="9448800" y="745066"/>
-            <a:ext cx="2057400" cy="3903133"/>
+            <a:off x="8815862" y="685800"/>
+            <a:ext cx="2264646" cy="4688785"/>
           </a:xfrm>
         </p:spPr>
         <p:txBody>
@@ -3203,22 +3429,22 @@
       </p:sp>
       <p:sp>
         <p:nvSpPr>
-          <p:cNvPr id="3" name="Vertical Text Placeholder 2"/>
-          <p:cNvSpPr>
-            <a:spLocks noGrp="1"/>
-          </p:cNvSpPr>
-          <p:nvPr>
-            <p:ph type="body" orient="vert" idx="1"/>
+          <p:cNvPr id="8" name="Vertical Text Placeholder 2"/>
+          <p:cNvSpPr>
+            <a:spLocks noGrp="1"/>
+          </p:cNvSpPr>
+          <p:nvPr>
+            <p:ph type="body" orient="vert" sz="quarter" idx="13"/>
           </p:nvPr>
         </p:nvSpPr>
         <p:spPr>
           <a:xfrm>
-            <a:off x="1024466" y="745067"/>
-            <a:ext cx="8204201" cy="3903133"/>
+            <a:off x="685800" y="685800"/>
+            <a:ext cx="7904431" cy="4688785"/>
           </a:xfrm>
         </p:spPr>
         <p:txBody>
-          <a:bodyPr vert="eaVert"/>
+          <a:bodyPr vert="eaVert" anchor="t"/>
           <a:lstStyle/>
           <a:p>
             <a:pPr lvl="0"/>
@@ -3268,19 +3494,10 @@
             <p:ph type="dt" sz="half" idx="10"/>
           </p:nvPr>
         </p:nvSpPr>
-        <p:spPr>
-          <a:xfrm>
-            <a:off x="7814452" y="379941"/>
-            <a:ext cx="2910840" cy="365125"/>
-          </a:xfrm>
-        </p:spPr>
+        <p:spPr/>
         <p:txBody>
           <a:bodyPr/>
-          <a:lstStyle>
-            <a:lvl1pPr algn="r">
-              <a:defRPr/>
-            </a:lvl1pPr>
-          </a:lstStyle>
+          <a:lstStyle/>
           <a:p>
             <a:fld id="{48A87A34-81AB-432B-8DAE-1953F412C126}" type="datetimeFigureOut">
               <a:rPr lang="en-US" smtClean="0"/>
@@ -3301,12 +3518,7 @@
             <p:ph type="ftr" sz="quarter" idx="11"/>
           </p:nvPr>
         </p:nvSpPr>
-        <p:spPr>
-          <a:xfrm>
-            <a:off x="685800" y="381000"/>
-            <a:ext cx="6991492" cy="365125"/>
-          </a:xfrm>
-        </p:spPr>
+        <p:spPr/>
         <p:txBody>
           <a:bodyPr/>
           <a:lstStyle/>
@@ -3325,12 +3537,7 @@
             <p:ph type="sldNum" sz="quarter" idx="12"/>
           </p:nvPr>
         </p:nvSpPr>
-        <p:spPr>
-          <a:xfrm>
-            <a:off x="10862452" y="381000"/>
-            <a:ext cx="643748" cy="365125"/>
-          </a:xfrm>
-        </p:spPr>
+        <p:spPr/>
         <p:txBody>
           <a:bodyPr/>
           <a:lstStyle/>
@@ -3346,7 +3553,7 @@
     </p:spTree>
     <p:extLst>
       <p:ext uri="{BB962C8B-B14F-4D97-AF65-F5344CB8AC3E}">
-        <p14:creationId xmlns:p14="http://schemas.microsoft.com/office/powerpoint/2010/main" val="3122035267"/>
+        <p14:creationId xmlns:p14="http://schemas.microsoft.com/office/powerpoint/2010/main" val="1892905429"/>
       </p:ext>
     </p:extLst>
   </p:cSld>
@@ -3398,15 +3605,20 @@
       </p:sp>
       <p:sp>
         <p:nvSpPr>
-          <p:cNvPr id="3" name="Content Placeholder 2"/>
-          <p:cNvSpPr>
-            <a:spLocks noGrp="1"/>
-          </p:cNvSpPr>
-          <p:nvPr>
-            <p:ph idx="1"/>
-          </p:nvPr>
-        </p:nvSpPr>
-        <p:spPr/>
+          <p:cNvPr id="12" name="Content Placeholder 2"/>
+          <p:cNvSpPr>
+            <a:spLocks noGrp="1"/>
+          </p:cNvSpPr>
+          <p:nvPr>
+            <p:ph sz="quarter" idx="13"/>
+          </p:nvPr>
+        </p:nvSpPr>
+        <p:spPr>
+          <a:xfrm>
+            <a:off x="685800" y="2063396"/>
+            <a:ext cx="10394707" cy="3311189"/>
+          </a:xfrm>
+        </p:spPr>
         <p:txBody>
           <a:bodyPr/>
           <a:lstStyle/>
@@ -3516,7 +3728,7 @@
     </p:spTree>
     <p:extLst>
       <p:ext uri="{BB962C8B-B14F-4D97-AF65-F5344CB8AC3E}">
-        <p14:creationId xmlns:p14="http://schemas.microsoft.com/office/powerpoint/2010/main" val="3243242301"/>
+        <p14:creationId xmlns:p14="http://schemas.microsoft.com/office/powerpoint/2010/main" val="3434148002"/>
       </p:ext>
     </p:extLst>
   </p:cSld>
@@ -3527,7 +3739,7 @@
 </file>
 
 <file path=ppt/slideLayouts/slideLayout3.xml><?xml version="1.0" encoding="utf-8"?>
-<p:sldLayout xmlns:a="http://schemas.openxmlformats.org/drawingml/2006/main" xmlns:r="http://schemas.openxmlformats.org/officeDocument/2006/relationships" xmlns:p="http://schemas.openxmlformats.org/presentationml/2006/main" showMasterSp="0" type="secHead" preserve="1">
+<p:sldLayout xmlns:a="http://schemas.openxmlformats.org/drawingml/2006/main" xmlns:r="http://schemas.openxmlformats.org/officeDocument/2006/relationships" xmlns:p="http://schemas.openxmlformats.org/presentationml/2006/main" type="secHead" preserve="1">
   <p:cSld name="Encabezado de sección">
     <p:spTree>
       <p:nvGrpSpPr>
@@ -3543,50 +3755,20 @@
           <a:chExt cx="0" cy="0"/>
         </a:xfrm>
       </p:grpSpPr>
-      <p:pic>
-        <p:nvPicPr>
-          <p:cNvPr id="8" name="Picture 7" descr="C1-HD-BTM.png"/>
-          <p:cNvPicPr>
-            <a:picLocks noChangeAspect="1"/>
-          </p:cNvPicPr>
-          <p:nvPr/>
-        </p:nvPicPr>
-        <p:blipFill>
-          <a:blip r:embed="rId2">
-            <a:extLst>
-              <a:ext uri="{28A0092B-C50C-407E-A947-70E740481C1C}">
-                <a14:useLocalDpi xmlns:a14="http://schemas.microsoft.com/office/drawing/2010/main" val="0"/>
-              </a:ext>
-            </a:extLst>
-          </a:blip>
-          <a:stretch>
-            <a:fillRect/>
-          </a:stretch>
-        </p:blipFill>
+      <p:sp>
+        <p:nvSpPr>
+          <p:cNvPr id="2" name="Title 1"/>
+          <p:cNvSpPr>
+            <a:spLocks noGrp="1"/>
+          </p:cNvSpPr>
+          <p:nvPr>
+            <p:ph type="title"/>
+          </p:nvPr>
+        </p:nvSpPr>
         <p:spPr>
           <a:xfrm>
-            <a:off x="0" y="4375150"/>
-            <a:ext cx="12192000" cy="2482850"/>
-          </a:xfrm>
-          <a:prstGeom prst="rect">
-            <a:avLst/>
-          </a:prstGeom>
-        </p:spPr>
-      </p:pic>
-      <p:sp>
-        <p:nvSpPr>
-          <p:cNvPr id="2" name="Title 1"/>
-          <p:cNvSpPr>
-            <a:spLocks noGrp="1"/>
-          </p:cNvSpPr>
-          <p:nvPr>
-            <p:ph type="title"/>
-          </p:nvPr>
-        </p:nvSpPr>
-        <p:spPr>
-          <a:xfrm>
-            <a:off x="685800" y="753533"/>
-            <a:ext cx="10820399" cy="2801935"/>
+            <a:off x="685801" y="685800"/>
+            <a:ext cx="10394707" cy="3193487"/>
           </a:xfrm>
         </p:spPr>
         <p:txBody>
@@ -3594,8 +3776,8 @@
             <a:normAutofit/>
           </a:bodyPr>
           <a:lstStyle>
-            <a:lvl1pPr algn="r">
-              <a:defRPr sz="4000"/>
+            <a:lvl1pPr algn="l">
+              <a:defRPr sz="5400"/>
             </a:lvl1pPr>
           </a:lstStyle>
           <a:p>
@@ -3619,21 +3801,21 @@
         </p:nvSpPr>
         <p:spPr>
           <a:xfrm>
-            <a:off x="1024467" y="3641725"/>
-            <a:ext cx="10490200" cy="955675"/>
+            <a:off x="685801" y="3742267"/>
+            <a:ext cx="10394707" cy="1639614"/>
           </a:xfrm>
         </p:spPr>
         <p:txBody>
-          <a:bodyPr>
+          <a:bodyPr anchor="t">
             <a:normAutofit/>
           </a:bodyPr>
           <a:lstStyle>
-            <a:lvl1pPr marL="0" indent="0" algn="r">
-              <a:buNone/>
-              <a:defRPr sz="2200">
+            <a:lvl1pPr marL="0" indent="0" algn="l">
+              <a:buNone/>
+              <a:defRPr sz="2000">
                 <a:solidFill>
-                  <a:schemeClr val="tx1">
-                    <a:tint val="75000"/>
+                  <a:schemeClr val="bg1">
+                    <a:lumMod val="50000"/>
                   </a:schemeClr>
                 </a:solidFill>
               </a:defRPr>
@@ -3738,19 +3920,10 @@
             <p:ph type="dt" sz="half" idx="10"/>
           </p:nvPr>
         </p:nvSpPr>
-        <p:spPr>
-          <a:xfrm>
-            <a:off x="7814452" y="381000"/>
-            <a:ext cx="2910840" cy="365125"/>
-          </a:xfrm>
-        </p:spPr>
+        <p:spPr/>
         <p:txBody>
           <a:bodyPr/>
-          <a:lstStyle>
-            <a:lvl1pPr algn="r">
-              <a:defRPr/>
-            </a:lvl1pPr>
-          </a:lstStyle>
+          <a:lstStyle/>
           <a:p>
             <a:fld id="{48A87A34-81AB-432B-8DAE-1953F412C126}" type="datetimeFigureOut">
               <a:rPr lang="en-US" smtClean="0"/>
@@ -3771,12 +3944,7 @@
             <p:ph type="ftr" sz="quarter" idx="11"/>
           </p:nvPr>
         </p:nvSpPr>
-        <p:spPr>
-          <a:xfrm>
-            <a:off x="685800" y="381001"/>
-            <a:ext cx="6991492" cy="364065"/>
-          </a:xfrm>
-        </p:spPr>
+        <p:spPr/>
         <p:txBody>
           <a:bodyPr/>
           <a:lstStyle/>
@@ -3795,12 +3963,7 @@
             <p:ph type="sldNum" sz="quarter" idx="12"/>
           </p:nvPr>
         </p:nvSpPr>
-        <p:spPr>
-          <a:xfrm>
-            <a:off x="10862452" y="381000"/>
-            <a:ext cx="643748" cy="365125"/>
-          </a:xfrm>
-        </p:spPr>
+        <p:spPr/>
         <p:txBody>
           <a:bodyPr/>
           <a:lstStyle/>
@@ -3816,7 +3979,7 @@
     </p:spTree>
     <p:extLst>
       <p:ext uri="{BB962C8B-B14F-4D97-AF65-F5344CB8AC3E}">
-        <p14:creationId xmlns:p14="http://schemas.microsoft.com/office/powerpoint/2010/main" val="882276720"/>
+        <p14:creationId xmlns:p14="http://schemas.microsoft.com/office/powerpoint/2010/main" val="3259243671"/>
       </p:ext>
     </p:extLst>
   </p:cSld>
@@ -3845,102 +4008,107 @@
       </p:grpSpPr>
       <p:sp>
         <p:nvSpPr>
-          <p:cNvPr id="2" name="Title 1"/>
+          <p:cNvPr id="14" name="Title 1"/>
           <p:cNvSpPr>
             <a:spLocks noGrp="1"/>
           </p:cNvSpPr>
           <p:nvPr>
             <p:ph type="title"/>
-          </p:nvPr>
-        </p:nvSpPr>
-        <p:spPr/>
-        <p:txBody>
-          <a:bodyPr/>
-          <a:lstStyle/>
-          <a:p>
-            <a:r>
-              <a:rPr lang="es-ES" smtClean="0"/>
-              <a:t>Haga clic para modificar el estilo de título del patrón</a:t>
-            </a:r>
-            <a:endParaRPr lang="en-US" dirty="0"/>
-          </a:p>
-        </p:txBody>
-      </p:sp>
-      <p:sp>
-        <p:nvSpPr>
-          <p:cNvPr id="3" name="Content Placeholder 2"/>
-          <p:cNvSpPr>
-            <a:spLocks noGrp="1"/>
-          </p:cNvSpPr>
-          <p:nvPr>
-            <p:ph sz="half" idx="1"/>
           </p:nvPr>
         </p:nvSpPr>
         <p:spPr>
           <a:xfrm>
-            <a:off x="685800" y="2194559"/>
-            <a:ext cx="5334000" cy="4024125"/>
+            <a:off x="685801" y="685800"/>
+            <a:ext cx="10396882" cy="1158140"/>
           </a:xfrm>
         </p:spPr>
         <p:txBody>
           <a:bodyPr/>
           <a:lstStyle/>
           <a:p>
-            <a:pPr lvl="0"/>
-            <a:r>
-              <a:rPr lang="es-ES" smtClean="0"/>
-              <a:t>Haga clic para modificar el estilo de texto del patrón</a:t>
-            </a:r>
-          </a:p>
-          <a:p>
-            <a:pPr lvl="1"/>
-            <a:r>
-              <a:rPr lang="es-ES" smtClean="0"/>
-              <a:t>Segundo nivel</a:t>
-            </a:r>
-          </a:p>
-          <a:p>
-            <a:pPr lvl="2"/>
-            <a:r>
-              <a:rPr lang="es-ES" smtClean="0"/>
-              <a:t>Tercer nivel</a:t>
-            </a:r>
-          </a:p>
-          <a:p>
-            <a:pPr lvl="3"/>
-            <a:r>
-              <a:rPr lang="es-ES" smtClean="0"/>
-              <a:t>Cuarto nivel</a:t>
-            </a:r>
-          </a:p>
-          <a:p>
-            <a:pPr lvl="4"/>
-            <a:r>
-              <a:rPr lang="es-ES" smtClean="0"/>
-              <a:t>Quinto nivel</a:t>
-            </a:r>
-            <a:endParaRPr lang="en-US" dirty="0"/>
-          </a:p>
-        </p:txBody>
-      </p:sp>
-      <p:sp>
-        <p:nvSpPr>
-          <p:cNvPr id="4" name="Content Placeholder 3"/>
-          <p:cNvSpPr>
-            <a:spLocks noGrp="1"/>
-          </p:cNvSpPr>
-          <p:nvPr>
-            <p:ph sz="half" idx="2"/>
+            <a:r>
+              <a:rPr lang="es-ES" smtClean="0"/>
+              <a:t>Haga clic para modificar el estilo de título del patrón</a:t>
+            </a:r>
+            <a:endParaRPr lang="en-US" dirty="0"/>
+          </a:p>
+        </p:txBody>
+      </p:sp>
+      <p:sp>
+        <p:nvSpPr>
+          <p:cNvPr id="12" name="Content Placeholder 2"/>
+          <p:cNvSpPr>
+            <a:spLocks noGrp="1"/>
+          </p:cNvSpPr>
+          <p:nvPr>
+            <p:ph sz="quarter" idx="13"/>
           </p:nvPr>
         </p:nvSpPr>
         <p:spPr>
           <a:xfrm>
-            <a:off x="6172200" y="2194559"/>
-            <a:ext cx="5334000" cy="4024125"/>
+            <a:off x="685800" y="2063396"/>
+            <a:ext cx="5088714" cy="3311189"/>
           </a:xfrm>
         </p:spPr>
         <p:txBody>
-          <a:bodyPr/>
+          <a:bodyPr anchor="t"/>
+          <a:lstStyle/>
+          <a:p>
+            <a:pPr lvl="0"/>
+            <a:r>
+              <a:rPr lang="es-ES" smtClean="0"/>
+              <a:t>Haga clic para modificar el estilo de texto del patrón</a:t>
+            </a:r>
+          </a:p>
+          <a:p>
+            <a:pPr lvl="1"/>
+            <a:r>
+              <a:rPr lang="es-ES" smtClean="0"/>
+              <a:t>Segundo nivel</a:t>
+            </a:r>
+          </a:p>
+          <a:p>
+            <a:pPr lvl="2"/>
+            <a:r>
+              <a:rPr lang="es-ES" smtClean="0"/>
+              <a:t>Tercer nivel</a:t>
+            </a:r>
+          </a:p>
+          <a:p>
+            <a:pPr lvl="3"/>
+            <a:r>
+              <a:rPr lang="es-ES" smtClean="0"/>
+              <a:t>Cuarto nivel</a:t>
+            </a:r>
+          </a:p>
+          <a:p>
+            <a:pPr lvl="4"/>
+            <a:r>
+              <a:rPr lang="es-ES" smtClean="0"/>
+              <a:t>Quinto nivel</a:t>
+            </a:r>
+            <a:endParaRPr lang="en-US" dirty="0"/>
+          </a:p>
+        </p:txBody>
+      </p:sp>
+      <p:sp>
+        <p:nvSpPr>
+          <p:cNvPr id="13" name="Content Placeholder 3"/>
+          <p:cNvSpPr>
+            <a:spLocks noGrp="1"/>
+          </p:cNvSpPr>
+          <p:nvPr>
+            <p:ph sz="quarter" idx="14"/>
+          </p:nvPr>
+        </p:nvSpPr>
+        <p:spPr>
+          <a:xfrm>
+            <a:off x="5993971" y="2063396"/>
+            <a:ext cx="5086538" cy="3311189"/>
+          </a:xfrm>
+        </p:spPr>
+        <p:txBody>
+          <a:bodyPr anchor="t"/>
           <a:lstStyle/>
           <a:p>
             <a:pPr lvl="0"/>
@@ -4048,7 +4216,7 @@
     </p:spTree>
     <p:extLst>
       <p:ext uri="{BB962C8B-B14F-4D97-AF65-F5344CB8AC3E}">
-        <p14:creationId xmlns:p14="http://schemas.microsoft.com/office/powerpoint/2010/main" val="2462021036"/>
+        <p14:creationId xmlns:p14="http://schemas.microsoft.com/office/powerpoint/2010/main" val="3130453986"/>
       </p:ext>
     </p:extLst>
   </p:cSld>
@@ -4077,7 +4245,7 @@
       </p:grpSpPr>
       <p:sp>
         <p:nvSpPr>
-          <p:cNvPr id="2" name="Title 1"/>
+          <p:cNvPr id="14" name="Title 1"/>
           <p:cNvSpPr>
             <a:spLocks noGrp="1"/>
           </p:cNvSpPr>
@@ -4087,8 +4255,8 @@
         </p:nvSpPr>
         <p:spPr>
           <a:xfrm>
-            <a:off x="2895600" y="762000"/>
-            <a:ext cx="8610600" cy="1295400"/>
+            <a:off x="685801" y="685800"/>
+            <a:ext cx="10394707" cy="1158140"/>
           </a:xfrm>
         </p:spPr>
         <p:txBody>
@@ -4115,20 +4283,23 @@
         </p:nvSpPr>
         <p:spPr>
           <a:xfrm>
-            <a:off x="914409" y="2183802"/>
-            <a:ext cx="5079991" cy="823912"/>
+            <a:off x="918356" y="2063396"/>
+            <a:ext cx="4856158" cy="679994"/>
           </a:xfrm>
         </p:spPr>
         <p:txBody>
           <a:bodyPr anchor="b">
-            <a:normAutofit/>
+            <a:noAutofit/>
           </a:bodyPr>
           <a:lstStyle>
             <a:lvl1pPr marL="0" indent="0">
-              <a:buNone/>
-              <a:defRPr sz="2800" b="0">
+              <a:lnSpc>
+                <a:spcPct val="90000"/>
+              </a:lnSpc>
+              <a:buNone/>
+              <a:defRPr sz="2600" b="0">
                 <a:solidFill>
-                  <a:schemeClr val="tx1"/>
+                  <a:schemeClr val="accent1"/>
                 </a:solidFill>
               </a:defRPr>
             </a:lvl1pPr>
@@ -4176,22 +4347,22 @@
       </p:sp>
       <p:sp>
         <p:nvSpPr>
-          <p:cNvPr id="4" name="Content Placeholder 3"/>
-          <p:cNvSpPr>
-            <a:spLocks noGrp="1"/>
-          </p:cNvSpPr>
-          <p:nvPr>
-            <p:ph sz="half" idx="2"/>
+          <p:cNvPr id="12" name="Content Placeholder 3"/>
+          <p:cNvSpPr>
+            <a:spLocks noGrp="1"/>
+          </p:cNvSpPr>
+          <p:nvPr>
+            <p:ph sz="quarter" idx="13"/>
           </p:nvPr>
         </p:nvSpPr>
         <p:spPr>
           <a:xfrm>
-            <a:off x="685800" y="3132666"/>
-            <a:ext cx="5311775" cy="3086019"/>
+            <a:off x="685802" y="2861733"/>
+            <a:ext cx="5088712" cy="2512852"/>
           </a:xfrm>
         </p:spPr>
         <p:txBody>
-          <a:bodyPr/>
+          <a:bodyPr anchor="t"/>
           <a:lstStyle/>
           <a:p>
             <a:pPr lvl="0"/>
@@ -4243,20 +4414,23 @@
         </p:nvSpPr>
         <p:spPr>
           <a:xfrm>
-            <a:off x="6400800" y="2183802"/>
-            <a:ext cx="5105400" cy="823912"/>
+            <a:off x="6218191" y="2063396"/>
+            <a:ext cx="4864491" cy="679994"/>
           </a:xfrm>
         </p:spPr>
         <p:txBody>
           <a:bodyPr anchor="b">
-            <a:normAutofit/>
+            <a:noAutofit/>
           </a:bodyPr>
           <a:lstStyle>
             <a:lvl1pPr marL="0" indent="0">
-              <a:buNone/>
-              <a:defRPr sz="2800" b="0">
+              <a:lnSpc>
+                <a:spcPct val="90000"/>
+              </a:lnSpc>
+              <a:buNone/>
+              <a:defRPr sz="2600" b="0">
                 <a:solidFill>
-                  <a:schemeClr val="tx1"/>
+                  <a:schemeClr val="accent1"/>
                 </a:solidFill>
               </a:defRPr>
             </a:lvl1pPr>
@@ -4304,22 +4478,22 @@
       </p:sp>
       <p:sp>
         <p:nvSpPr>
-          <p:cNvPr id="6" name="Content Placeholder 5"/>
-          <p:cNvSpPr>
-            <a:spLocks noGrp="1"/>
-          </p:cNvSpPr>
-          <p:nvPr>
-            <p:ph sz="quarter" idx="4"/>
+          <p:cNvPr id="13" name="Content Placeholder 5"/>
+          <p:cNvSpPr>
+            <a:spLocks noGrp="1"/>
+          </p:cNvSpPr>
+          <p:nvPr>
+            <p:ph sz="quarter" idx="14"/>
           </p:nvPr>
         </p:nvSpPr>
         <p:spPr>
           <a:xfrm>
-            <a:off x="6172200" y="3132666"/>
-            <a:ext cx="5334000" cy="3086019"/>
+            <a:off x="5993969" y="2861733"/>
+            <a:ext cx="5088713" cy="2512852"/>
           </a:xfrm>
         </p:spPr>
         <p:txBody>
-          <a:bodyPr/>
+          <a:bodyPr anchor="t"/>
           <a:lstStyle/>
           <a:p>
             <a:pPr lvl="0"/>
@@ -4427,7 +4601,7 @@
     </p:spTree>
     <p:extLst>
       <p:ext uri="{BB962C8B-B14F-4D97-AF65-F5344CB8AC3E}">
-        <p14:creationId xmlns:p14="http://schemas.microsoft.com/office/powerpoint/2010/main" val="3558674177"/>
+        <p14:creationId xmlns:p14="http://schemas.microsoft.com/office/powerpoint/2010/main" val="2525753200"/>
       </p:ext>
     </p:extLst>
   </p:cSld>
@@ -4545,7 +4719,7 @@
     </p:spTree>
     <p:extLst>
       <p:ext uri="{BB962C8B-B14F-4D97-AF65-F5344CB8AC3E}">
-        <p14:creationId xmlns:p14="http://schemas.microsoft.com/office/powerpoint/2010/main" val="3159054063"/>
+        <p14:creationId xmlns:p14="http://schemas.microsoft.com/office/powerpoint/2010/main" val="1411913636"/>
       </p:ext>
     </p:extLst>
   </p:cSld>
@@ -4640,7 +4814,7 @@
     </p:spTree>
     <p:extLst>
       <p:ext uri="{BB962C8B-B14F-4D97-AF65-F5344CB8AC3E}">
-        <p14:creationId xmlns:p14="http://schemas.microsoft.com/office/powerpoint/2010/main" val="4158447119"/>
+        <p14:creationId xmlns:p14="http://schemas.microsoft.com/office/powerpoint/2010/main" val="3225631741"/>
       </p:ext>
     </p:extLst>
   </p:cSld>
@@ -4679,15 +4853,17 @@
         </p:nvSpPr>
         <p:spPr>
           <a:xfrm>
-            <a:off x="685800" y="1524000"/>
-            <a:ext cx="4114800" cy="1600200"/>
+            <a:off x="693643" y="685800"/>
+            <a:ext cx="4126860" cy="2023252"/>
           </a:xfrm>
         </p:spPr>
         <p:txBody>
-          <a:bodyPr anchor="b"/>
+          <a:bodyPr anchor="b">
+            <a:normAutofit/>
+          </a:bodyPr>
           <a:lstStyle>
-            <a:lvl1pPr algn="l">
-              <a:defRPr sz="3200"/>
+            <a:lvl1pPr algn="ctr">
+              <a:defRPr sz="3600"/>
             </a:lvl1pPr>
           </a:lstStyle>
           <a:p>
@@ -4701,22 +4877,22 @@
       </p:sp>
       <p:sp>
         <p:nvSpPr>
-          <p:cNvPr id="3" name="Content Placeholder 2"/>
-          <p:cNvSpPr>
-            <a:spLocks noGrp="1"/>
-          </p:cNvSpPr>
-          <p:nvPr>
-            <p:ph idx="1"/>
+          <p:cNvPr id="10" name="Content Placeholder 2"/>
+          <p:cNvSpPr>
+            <a:spLocks noGrp="1"/>
+          </p:cNvSpPr>
+          <p:nvPr>
+            <p:ph sz="quarter" idx="13"/>
           </p:nvPr>
         </p:nvSpPr>
         <p:spPr>
           <a:xfrm>
-            <a:off x="4995582" y="746759"/>
-            <a:ext cx="6510618" cy="5471925"/>
+            <a:off x="5046132" y="685800"/>
+            <a:ext cx="6034375" cy="4688785"/>
           </a:xfrm>
         </p:spPr>
         <p:txBody>
-          <a:bodyPr anchor="ctr"/>
+          <a:bodyPr/>
           <a:lstStyle/>
           <a:p>
             <a:pPr lvl="0"/>
@@ -4768,16 +4944,18 @@
         </p:nvSpPr>
         <p:spPr>
           <a:xfrm>
-            <a:off x="685800" y="3124199"/>
-            <a:ext cx="4114800" cy="3094485"/>
+            <a:off x="693642" y="2709052"/>
+            <a:ext cx="4126861" cy="2665533"/>
           </a:xfrm>
         </p:spPr>
         <p:txBody>
-          <a:bodyPr/>
+          <a:bodyPr anchor="t">
+            <a:normAutofit/>
+          </a:bodyPr>
           <a:lstStyle>
-            <a:lvl1pPr marL="0" indent="0">
-              <a:buNone/>
-              <a:defRPr sz="1600"/>
+            <a:lvl1pPr marL="0" indent="0" algn="ctr">
+              <a:buNone/>
+              <a:defRPr sz="1800"/>
             </a:lvl1pPr>
             <a:lvl2pPr marL="457200" indent="0">
               <a:buNone/>
@@ -4889,7 +5067,7 @@
     </p:spTree>
     <p:extLst>
       <p:ext uri="{BB962C8B-B14F-4D97-AF65-F5344CB8AC3E}">
-        <p14:creationId xmlns:p14="http://schemas.microsoft.com/office/powerpoint/2010/main" val="1626276504"/>
+        <p14:creationId xmlns:p14="http://schemas.microsoft.com/office/powerpoint/2010/main" val="590950877"/>
       </p:ext>
     </p:extLst>
   </p:cSld>
@@ -4928,15 +5106,17 @@
         </p:nvSpPr>
         <p:spPr>
           <a:xfrm>
-            <a:off x="685800" y="1524000"/>
-            <a:ext cx="6873240" cy="1600200"/>
+            <a:off x="685800" y="685800"/>
+            <a:ext cx="6345302" cy="2023252"/>
           </a:xfrm>
         </p:spPr>
         <p:txBody>
-          <a:bodyPr anchor="b"/>
+          <a:bodyPr anchor="b">
+            <a:normAutofit/>
+          </a:bodyPr>
           <a:lstStyle>
-            <a:lvl1pPr algn="l">
-              <a:defRPr sz="3200"/>
+            <a:lvl1pPr algn="ctr">
+              <a:defRPr sz="3600"/>
             </a:lvl1pPr>
           </a:lstStyle>
           <a:p>
@@ -4960,14 +5140,22 @@
         </p:nvSpPr>
         <p:spPr>
           <a:xfrm>
-            <a:off x="7861238" y="751241"/>
-            <a:ext cx="3644962" cy="5467443"/>
+            <a:off x="7482362" y="0"/>
+            <a:ext cx="3598146" cy="5071533"/>
           </a:xfrm>
+          <a:ln w="57150" cmpd="thinThick">
+            <a:solidFill>
+              <a:schemeClr val="bg1">
+                <a:lumMod val="50000"/>
+              </a:schemeClr>
+            </a:solidFill>
+            <a:miter lim="800000"/>
+          </a:ln>
         </p:spPr>
         <p:txBody>
           <a:bodyPr anchor="t"/>
           <a:lstStyle>
-            <a:lvl1pPr marL="0" indent="0">
+            <a:lvl1pPr marL="0" indent="0" algn="ctr">
               <a:buNone/>
               <a:defRPr sz="3200"/>
             </a:lvl1pPr>
@@ -5025,16 +5213,18 @@
         </p:nvSpPr>
         <p:spPr>
           <a:xfrm>
-            <a:off x="685800" y="3124199"/>
-            <a:ext cx="6873240" cy="3094485"/>
+            <a:off x="685801" y="2709052"/>
+            <a:ext cx="6345301" cy="2362481"/>
           </a:xfrm>
         </p:spPr>
         <p:txBody>
-          <a:bodyPr/>
+          <a:bodyPr anchor="t">
+            <a:normAutofit/>
+          </a:bodyPr>
           <a:lstStyle>
-            <a:lvl1pPr marL="0" indent="0">
-              <a:buNone/>
-              <a:defRPr sz="1600"/>
+            <a:lvl1pPr marL="0" indent="0" algn="ctr">
+              <a:buNone/>
+              <a:defRPr sz="1800"/>
             </a:lvl1pPr>
             <a:lvl2pPr marL="457200" indent="0">
               <a:buNone/>
@@ -5146,7 +5336,7 @@
     </p:spTree>
     <p:extLst>
       <p:ext uri="{BB962C8B-B14F-4D97-AF65-F5344CB8AC3E}">
-        <p14:creationId xmlns:p14="http://schemas.microsoft.com/office/powerpoint/2010/main" val="334541301"/>
+        <p14:creationId xmlns:p14="http://schemas.microsoft.com/office/powerpoint/2010/main" val="1351762240"/>
       </p:ext>
     </p:extLst>
   </p:cSld>
@@ -5160,7 +5350,7 @@
 <p:sldMaster xmlns:a="http://schemas.openxmlformats.org/drawingml/2006/main" xmlns:r="http://schemas.openxmlformats.org/officeDocument/2006/relationships" xmlns:p="http://schemas.openxmlformats.org/presentationml/2006/main">
   <p:cSld>
     <p:bg>
-      <p:bgRef idx="1001">
+      <p:bgRef idx="1003">
         <a:schemeClr val="bg1"/>
       </p:bgRef>
     </p:bg>
@@ -5180,7 +5370,7 @@
       </p:grpSpPr>
       <p:pic>
         <p:nvPicPr>
-          <p:cNvPr id="8" name="Picture 7" descr="C1-HD-TOP.png"/>
+          <p:cNvPr id="7" name="Picture 6" descr="Brickwork-HD-R1a.jpg"/>
           <p:cNvPicPr>
             <a:picLocks noChangeAspect="1"/>
           </p:cNvPicPr>
@@ -5201,13 +5391,173 @@
         <p:spPr>
           <a:xfrm>
             <a:off x="0" y="0"/>
-            <a:ext cx="12192000" cy="1441450"/>
+            <a:ext cx="12192000" cy="6858000"/>
           </a:xfrm>
           <a:prstGeom prst="rect">
             <a:avLst/>
           </a:prstGeom>
         </p:spPr>
       </p:pic>
+      <p:grpSp>
+        <p:nvGrpSpPr>
+          <p:cNvPr id="10" name="Group 9"/>
+          <p:cNvGrpSpPr/>
+          <p:nvPr/>
+        </p:nvGrpSpPr>
+        <p:grpSpPr>
+          <a:xfrm>
+            <a:off x="-25397" y="0"/>
+            <a:ext cx="12005350" cy="6644081"/>
+            <a:chOff x="-25397" y="0"/>
+            <a:chExt cx="12005350" cy="6644081"/>
+          </a:xfrm>
+        </p:grpSpPr>
+        <p:sp useBgFill="1">
+          <p:nvSpPr>
+            <p:cNvPr id="11" name="Rectangle 10"/>
+            <p:cNvSpPr/>
+            <p:nvPr/>
+          </p:nvSpPr>
+          <p:spPr>
+            <a:xfrm>
+              <a:off x="1" y="0"/>
+              <a:ext cx="11979952" cy="6644081"/>
+            </a:xfrm>
+            <a:prstGeom prst="rect">
+              <a:avLst/>
+            </a:prstGeom>
+            <a:ln>
+              <a:noFill/>
+            </a:ln>
+            <a:effectLst>
+              <a:outerShdw blurRad="98425" dist="76200" dir="4380000" algn="tl" rotWithShape="0">
+                <a:srgbClr val="000000">
+                  <a:alpha val="68000"/>
+                </a:srgbClr>
+              </a:outerShdw>
+            </a:effectLst>
+          </p:spPr>
+          <p:style>
+            <a:lnRef idx="1">
+              <a:schemeClr val="accent1"/>
+            </a:lnRef>
+            <a:fillRef idx="3">
+              <a:schemeClr val="accent1"/>
+            </a:fillRef>
+            <a:effectRef idx="2">
+              <a:schemeClr val="accent1"/>
+            </a:effectRef>
+            <a:fontRef idx="minor">
+              <a:schemeClr val="lt1"/>
+            </a:fontRef>
+          </p:style>
+        </p:sp>
+        <p:sp>
+          <p:nvSpPr>
+            <p:cNvPr id="12" name="Freeform 11"/>
+            <p:cNvSpPr/>
+            <p:nvPr/>
+          </p:nvSpPr>
+          <p:spPr>
+            <a:xfrm>
+              <a:off x="-25397" y="0"/>
+              <a:ext cx="11773291" cy="6419514"/>
+            </a:xfrm>
+            <a:custGeom>
+              <a:avLst/>
+              <a:gdLst/>
+              <a:ahLst/>
+              <a:cxnLst/>
+              <a:rect l="l" t="t" r="r" b="b"/>
+              <a:pathLst>
+                <a:path w="11773291" h="6419514">
+                  <a:moveTo>
+                    <a:pt x="11750059" y="0"/>
+                  </a:moveTo>
+                  <a:lnTo>
+                    <a:pt x="11773291" y="6419514"/>
+                  </a:lnTo>
+                  <a:lnTo>
+                    <a:pt x="0" y="6411047"/>
+                  </a:lnTo>
+                </a:path>
+              </a:pathLst>
+            </a:custGeom>
+            <a:ln w="82550">
+              <a:solidFill>
+                <a:schemeClr val="tx1">
+                  <a:lumMod val="50000"/>
+                  <a:lumOff val="50000"/>
+                </a:schemeClr>
+              </a:solidFill>
+              <a:miter lim="800000"/>
+            </a:ln>
+          </p:spPr>
+          <p:style>
+            <a:lnRef idx="2">
+              <a:schemeClr val="accent1"/>
+            </a:lnRef>
+            <a:fillRef idx="0">
+              <a:schemeClr val="accent1"/>
+            </a:fillRef>
+            <a:effectRef idx="1">
+              <a:schemeClr val="accent1"/>
+            </a:effectRef>
+            <a:fontRef idx="minor">
+              <a:schemeClr val="tx1"/>
+            </a:fontRef>
+          </p:style>
+        </p:sp>
+        <p:sp>
+          <p:nvSpPr>
+            <p:cNvPr id="13" name="Rectangle 12"/>
+            <p:cNvSpPr/>
+            <p:nvPr/>
+          </p:nvSpPr>
+          <p:spPr>
+            <a:xfrm>
+              <a:off x="1" y="5600215"/>
+              <a:ext cx="11706512" cy="780581"/>
+            </a:xfrm>
+            <a:prstGeom prst="rect">
+              <a:avLst/>
+            </a:prstGeom>
+            <a:gradFill flip="none" rotWithShape="1">
+              <a:gsLst>
+                <a:gs pos="34000">
+                  <a:schemeClr val="accent1"/>
+                </a:gs>
+                <a:gs pos="100000">
+                  <a:schemeClr val="accent1">
+                    <a:lumMod val="50000"/>
+                  </a:schemeClr>
+                </a:gs>
+              </a:gsLst>
+              <a:path path="circle">
+                <a:fillToRect l="50000" t="50000" r="50000" b="50000"/>
+              </a:path>
+              <a:tileRect/>
+            </a:gradFill>
+            <a:ln>
+              <a:noFill/>
+            </a:ln>
+          </p:spPr>
+          <p:style>
+            <a:lnRef idx="1">
+              <a:schemeClr val="accent1"/>
+            </a:lnRef>
+            <a:fillRef idx="3">
+              <a:schemeClr val="accent1"/>
+            </a:fillRef>
+            <a:effectRef idx="2">
+              <a:schemeClr val="accent1"/>
+            </a:effectRef>
+            <a:fontRef idx="minor">
+              <a:schemeClr val="lt1"/>
+            </a:fontRef>
+          </p:style>
+        </p:sp>
+      </p:grpSp>
       <p:sp>
         <p:nvSpPr>
           <p:cNvPr id="2" name="Title Placeholder 1"/>
@@ -5220,8 +5570,8 @@
         </p:nvSpPr>
         <p:spPr>
           <a:xfrm>
-            <a:off x="2895600" y="764373"/>
-            <a:ext cx="8610600" cy="1293028"/>
+            <a:off x="685801" y="685800"/>
+            <a:ext cx="10396882" cy="1151965"/>
           </a:xfrm>
           <a:prstGeom prst="rect">
             <a:avLst/>
@@ -5253,15 +5603,15 @@
         </p:nvSpPr>
         <p:spPr>
           <a:xfrm>
-            <a:off x="685800" y="2194560"/>
-            <a:ext cx="10820400" cy="4024125"/>
+            <a:off x="685800" y="2063396"/>
+            <a:ext cx="10396883" cy="3311189"/>
           </a:xfrm>
           <a:prstGeom prst="rect">
             <a:avLst/>
           </a:prstGeom>
         </p:spPr>
         <p:txBody>
-          <a:bodyPr vert="horz" lIns="91440" tIns="45720" rIns="91440" bIns="45720" rtlCol="0">
+          <a:bodyPr vert="horz" lIns="91440" tIns="45720" rIns="91440" bIns="45720" rtlCol="0" anchor="ctr">
             <a:normAutofit/>
           </a:bodyPr>
           <a:lstStyle/>
@@ -5315,8 +5665,8 @@
         </p:nvSpPr>
         <p:spPr>
           <a:xfrm>
-            <a:off x="8595360" y="6356350"/>
-            <a:ext cx="2910840" cy="365125"/>
+            <a:off x="7298083" y="5757334"/>
+            <a:ext cx="3784600" cy="498470"/>
           </a:xfrm>
           <a:prstGeom prst="rect">
             <a:avLst/>
@@ -5326,10 +5676,10 @@
           <a:bodyPr vert="horz" lIns="91440" tIns="45720" rIns="91440" bIns="45720" rtlCol="0" anchor="ctr"/>
           <a:lstStyle>
             <a:lvl1pPr algn="r">
-              <a:defRPr sz="1050">
+              <a:defRPr sz="3200" cap="all" baseline="0">
                 <a:solidFill>
-                  <a:schemeClr val="tx1">
-                    <a:tint val="75000"/>
+                  <a:schemeClr val="accent1">
+                    <a:lumMod val="50000"/>
                   </a:schemeClr>
                 </a:solidFill>
               </a:defRPr>
@@ -5357,8 +5707,8 @@
         </p:nvSpPr>
         <p:spPr>
           <a:xfrm>
-            <a:off x="685800" y="6355845"/>
-            <a:ext cx="7772400" cy="365125"/>
+            <a:off x="685801" y="5757334"/>
+            <a:ext cx="5499719" cy="498470"/>
           </a:xfrm>
           <a:prstGeom prst="rect">
             <a:avLst/>
@@ -5368,10 +5718,10 @@
           <a:bodyPr vert="horz" lIns="91440" tIns="45720" rIns="91440" bIns="45720" rtlCol="0" anchor="ctr"/>
           <a:lstStyle>
             <a:lvl1pPr algn="l">
-              <a:defRPr sz="1050">
+              <a:defRPr sz="3200" cap="all" baseline="0">
                 <a:solidFill>
-                  <a:schemeClr val="tx1">
-                    <a:tint val="75000"/>
+                  <a:schemeClr val="accent1">
+                    <a:lumMod val="50000"/>
                   </a:schemeClr>
                 </a:solidFill>
               </a:defRPr>
@@ -5394,8 +5744,8 @@
         </p:nvSpPr>
         <p:spPr>
           <a:xfrm>
-            <a:off x="8763000" y="381000"/>
-            <a:ext cx="2743200" cy="365125"/>
+            <a:off x="6287121" y="5757334"/>
+            <a:ext cx="907186" cy="498470"/>
           </a:xfrm>
           <a:prstGeom prst="rect">
             <a:avLst/>
@@ -5404,11 +5754,11 @@
         <p:txBody>
           <a:bodyPr vert="horz" lIns="91440" tIns="45720" rIns="91440" bIns="45720" rtlCol="0" anchor="ctr"/>
           <a:lstStyle>
-            <a:lvl1pPr algn="r">
-              <a:defRPr sz="1050">
+            <a:lvl1pPr algn="ctr">
+              <a:defRPr sz="3200" cap="all" baseline="0">
                 <a:solidFill>
-                  <a:schemeClr val="tx1">
-                    <a:tint val="75000"/>
+                  <a:schemeClr val="accent1">
+                    <a:lumMod val="50000"/>
                   </a:schemeClr>
                 </a:solidFill>
               </a:defRPr>
@@ -5427,33 +5777,33 @@
     </p:spTree>
     <p:extLst>
       <p:ext uri="{BB962C8B-B14F-4D97-AF65-F5344CB8AC3E}">
-        <p14:creationId xmlns:p14="http://schemas.microsoft.com/office/powerpoint/2010/main" val="2534086069"/>
+        <p14:creationId xmlns:p14="http://schemas.microsoft.com/office/powerpoint/2010/main" val="4046263149"/>
       </p:ext>
     </p:extLst>
   </p:cSld>
-  <p:clrMap bg1="dk1" tx1="lt1" bg2="dk2" tx2="lt2" accent1="accent1" accent2="accent2" accent3="accent3" accent4="accent4" accent5="accent5" accent6="accent6" hlink="hlink" folHlink="folHlink"/>
+  <p:clrMap bg1="lt1" tx1="dk1" bg2="lt2" tx2="dk2" accent1="accent1" accent2="accent2" accent3="accent3" accent4="accent4" accent5="accent5" accent6="accent6" hlink="hlink" folHlink="folHlink"/>
   <p:sldLayoutIdLst>
-    <p:sldLayoutId id="2147483706" r:id="rId1"/>
-    <p:sldLayoutId id="2147483707" r:id="rId2"/>
-    <p:sldLayoutId id="2147483708" r:id="rId3"/>
-    <p:sldLayoutId id="2147483709" r:id="rId4"/>
-    <p:sldLayoutId id="2147483710" r:id="rId5"/>
-    <p:sldLayoutId id="2147483711" r:id="rId6"/>
-    <p:sldLayoutId id="2147483712" r:id="rId7"/>
-    <p:sldLayoutId id="2147483713" r:id="rId8"/>
-    <p:sldLayoutId id="2147483714" r:id="rId9"/>
-    <p:sldLayoutId id="2147483715" r:id="rId10"/>
-    <p:sldLayoutId id="2147483716" r:id="rId11"/>
-    <p:sldLayoutId id="2147483717" r:id="rId12"/>
-    <p:sldLayoutId id="2147483718" r:id="rId13"/>
-    <p:sldLayoutId id="2147483719" r:id="rId14"/>
-    <p:sldLayoutId id="2147483720" r:id="rId15"/>
-    <p:sldLayoutId id="2147483721" r:id="rId16"/>
-    <p:sldLayoutId id="2147483722" r:id="rId17"/>
+    <p:sldLayoutId id="2147483832" r:id="rId1"/>
+    <p:sldLayoutId id="2147483833" r:id="rId2"/>
+    <p:sldLayoutId id="2147483834" r:id="rId3"/>
+    <p:sldLayoutId id="2147483835" r:id="rId4"/>
+    <p:sldLayoutId id="2147483836" r:id="rId5"/>
+    <p:sldLayoutId id="2147483837" r:id="rId6"/>
+    <p:sldLayoutId id="2147483838" r:id="rId7"/>
+    <p:sldLayoutId id="2147483839" r:id="rId8"/>
+    <p:sldLayoutId id="2147483840" r:id="rId9"/>
+    <p:sldLayoutId id="2147483841" r:id="rId10"/>
+    <p:sldLayoutId id="2147483842" r:id="rId11"/>
+    <p:sldLayoutId id="2147483843" r:id="rId12"/>
+    <p:sldLayoutId id="2147483844" r:id="rId13"/>
+    <p:sldLayoutId id="2147483845" r:id="rId14"/>
+    <p:sldLayoutId id="2147483846" r:id="rId15"/>
+    <p:sldLayoutId id="2147483847" r:id="rId16"/>
+    <p:sldLayoutId id="2147483848" r:id="rId17"/>
   </p:sldLayoutIdLst>
   <p:txStyles>
     <p:titleStyle>
-      <a:lvl1pPr algn="r" defTabSz="914400" rtl="0" eaLnBrk="1" latinLnBrk="0" hangingPunct="1">
+      <a:lvl1pPr algn="l" defTabSz="914400" rtl="0" eaLnBrk="1" latinLnBrk="0" hangingPunct="1">
         <a:lnSpc>
           <a:spcPct val="90000"/>
         </a:lnSpc>
@@ -5461,10 +5811,11 @@
           <a:spcPct val="0"/>
         </a:spcBef>
         <a:buNone/>
-        <a:defRPr sz="4000" kern="1200" cap="all" baseline="0">
+        <a:defRPr sz="5400" kern="1200" cap="all" baseline="0">
           <a:solidFill>
-            <a:schemeClr val="tx1"/>
+            <a:schemeClr val="accent1"/>
           </a:solidFill>
+          <a:effectLst/>
           <a:latin typeface="+mj-lt"/>
           <a:ea typeface="+mj-ea"/>
           <a:cs typeface="+mj-cs"/>
@@ -5474,17 +5825,22 @@
     <p:bodyStyle>
       <a:lvl1pPr marL="228600" indent="-228600" algn="l" defTabSz="914400" rtl="0" eaLnBrk="1" latinLnBrk="0" hangingPunct="1">
         <a:lnSpc>
-          <a:spcPct val="90000"/>
+          <a:spcPct val="120000"/>
         </a:lnSpc>
         <a:spcBef>
           <a:spcPts val="1000"/>
         </a:spcBef>
+        <a:buClr>
+          <a:schemeClr val="accent1"/>
+        </a:buClr>
+        <a:buSzPct val="160000"/>
         <a:buFont typeface="Arial" panose="020B0604020202020204" pitchFamily="34" charset="0"/>
         <a:buChar char="•"/>
-        <a:defRPr sz="2200" kern="1200">
+        <a:defRPr sz="2000" kern="1200" cap="all" baseline="0">
           <a:solidFill>
             <a:schemeClr val="tx1"/>
           </a:solidFill>
+          <a:effectLst/>
           <a:latin typeface="+mn-lt"/>
           <a:ea typeface="+mn-ea"/>
           <a:cs typeface="+mn-cs"/>
@@ -5492,17 +5848,22 @@
       </a:lvl1pPr>
       <a:lvl2pPr marL="685800" indent="-228600" algn="l" defTabSz="914400" rtl="0" eaLnBrk="1" latinLnBrk="0" hangingPunct="1">
         <a:lnSpc>
-          <a:spcPct val="90000"/>
+          <a:spcPct val="120000"/>
         </a:lnSpc>
         <a:spcBef>
           <a:spcPts val="500"/>
         </a:spcBef>
+        <a:buClr>
+          <a:schemeClr val="accent1"/>
+        </a:buClr>
+        <a:buSzPct val="160000"/>
         <a:buFont typeface="Arial" panose="020B0604020202020204" pitchFamily="34" charset="0"/>
         <a:buChar char="•"/>
-        <a:defRPr sz="2000" kern="1200">
+        <a:defRPr sz="1800" kern="1200" cap="all" baseline="0">
           <a:solidFill>
             <a:schemeClr val="tx1"/>
           </a:solidFill>
+          <a:effectLst/>
           <a:latin typeface="+mn-lt"/>
           <a:ea typeface="+mn-ea"/>
           <a:cs typeface="+mn-cs"/>
@@ -5510,17 +5871,22 @@
       </a:lvl2pPr>
       <a:lvl3pPr marL="1143000" indent="-228600" algn="l" defTabSz="914400" rtl="0" eaLnBrk="1" latinLnBrk="0" hangingPunct="1">
         <a:lnSpc>
-          <a:spcPct val="90000"/>
+          <a:spcPct val="120000"/>
         </a:lnSpc>
         <a:spcBef>
           <a:spcPts val="500"/>
         </a:spcBef>
+        <a:buClr>
+          <a:schemeClr val="accent1"/>
+        </a:buClr>
+        <a:buSzPct val="160000"/>
         <a:buFont typeface="Arial" panose="020B0604020202020204" pitchFamily="34" charset="0"/>
         <a:buChar char="•"/>
-        <a:defRPr sz="1800" kern="1200">
+        <a:defRPr sz="1600" kern="1200" cap="all" baseline="0">
           <a:solidFill>
             <a:schemeClr val="tx1"/>
           </a:solidFill>
+          <a:effectLst/>
           <a:latin typeface="+mn-lt"/>
           <a:ea typeface="+mn-ea"/>
           <a:cs typeface="+mn-cs"/>
@@ -5528,17 +5894,22 @@
       </a:lvl3pPr>
       <a:lvl4pPr marL="1600200" indent="-228600" algn="l" defTabSz="914400" rtl="0" eaLnBrk="1" latinLnBrk="0" hangingPunct="1">
         <a:lnSpc>
-          <a:spcPct val="90000"/>
+          <a:spcPct val="120000"/>
         </a:lnSpc>
         <a:spcBef>
           <a:spcPts val="500"/>
         </a:spcBef>
+        <a:buClr>
+          <a:schemeClr val="accent1"/>
+        </a:buClr>
+        <a:buSzPct val="160000"/>
         <a:buFont typeface="Arial" panose="020B0604020202020204" pitchFamily="34" charset="0"/>
         <a:buChar char="•"/>
-        <a:defRPr sz="1600" kern="1200">
+        <a:defRPr sz="1400" kern="1200" cap="all" baseline="0">
           <a:solidFill>
             <a:schemeClr val="tx1"/>
           </a:solidFill>
+          <a:effectLst/>
           <a:latin typeface="+mn-lt"/>
           <a:ea typeface="+mn-ea"/>
           <a:cs typeface="+mn-cs"/>
@@ -5546,17 +5917,22 @@
       </a:lvl4pPr>
       <a:lvl5pPr marL="2057400" indent="-228600" algn="l" defTabSz="914400" rtl="0" eaLnBrk="1" latinLnBrk="0" hangingPunct="1">
         <a:lnSpc>
-          <a:spcPct val="90000"/>
+          <a:spcPct val="120000"/>
         </a:lnSpc>
         <a:spcBef>
           <a:spcPts val="500"/>
         </a:spcBef>
+        <a:buClr>
+          <a:schemeClr val="accent1"/>
+        </a:buClr>
+        <a:buSzPct val="160000"/>
         <a:buFont typeface="Arial" panose="020B0604020202020204" pitchFamily="34" charset="0"/>
         <a:buChar char="•"/>
-        <a:defRPr sz="1600" kern="1200">
+        <a:defRPr sz="1400" kern="1200" cap="all" baseline="0">
           <a:solidFill>
             <a:schemeClr val="tx1"/>
           </a:solidFill>
+          <a:effectLst/>
           <a:latin typeface="+mn-lt"/>
           <a:ea typeface="+mn-ea"/>
           <a:cs typeface="+mn-cs"/>
@@ -5564,17 +5940,22 @@
       </a:lvl5pPr>
       <a:lvl6pPr marL="2514600" indent="-228600" algn="l" defTabSz="914400" rtl="0" eaLnBrk="1" latinLnBrk="0" hangingPunct="1">
         <a:lnSpc>
-          <a:spcPct val="90000"/>
+          <a:spcPct val="120000"/>
         </a:lnSpc>
         <a:spcBef>
           <a:spcPts val="500"/>
         </a:spcBef>
+        <a:buClr>
+          <a:schemeClr val="accent1"/>
+        </a:buClr>
+        <a:buSzPct val="160000"/>
         <a:buFont typeface="Arial" panose="020B0604020202020204" pitchFamily="34" charset="0"/>
         <a:buChar char="•"/>
-        <a:defRPr sz="1600" kern="1200">
+        <a:defRPr sz="1400" kern="1200" cap="all" baseline="0">
           <a:solidFill>
             <a:schemeClr val="tx1"/>
           </a:solidFill>
+          <a:effectLst/>
           <a:latin typeface="+mn-lt"/>
           <a:ea typeface="+mn-ea"/>
           <a:cs typeface="+mn-cs"/>
@@ -5582,17 +5963,22 @@
       </a:lvl6pPr>
       <a:lvl7pPr marL="2971800" indent="-228600" algn="l" defTabSz="914400" rtl="0" eaLnBrk="1" latinLnBrk="0" hangingPunct="1">
         <a:lnSpc>
-          <a:spcPct val="90000"/>
+          <a:spcPct val="120000"/>
         </a:lnSpc>
         <a:spcBef>
           <a:spcPts val="500"/>
         </a:spcBef>
+        <a:buClr>
+          <a:schemeClr val="accent1"/>
+        </a:buClr>
+        <a:buSzPct val="160000"/>
         <a:buFont typeface="Arial" panose="020B0604020202020204" pitchFamily="34" charset="0"/>
         <a:buChar char="•"/>
-        <a:defRPr sz="1600" kern="1200">
+        <a:defRPr sz="1400" kern="1200" cap="all" baseline="0">
           <a:solidFill>
             <a:schemeClr val="tx1"/>
           </a:solidFill>
+          <a:effectLst/>
           <a:latin typeface="+mn-lt"/>
           <a:ea typeface="+mn-ea"/>
           <a:cs typeface="+mn-cs"/>
@@ -5600,17 +5986,22 @@
       </a:lvl7pPr>
       <a:lvl8pPr marL="3429000" indent="-228600" algn="l" defTabSz="914400" rtl="0" eaLnBrk="1" latinLnBrk="0" hangingPunct="1">
         <a:lnSpc>
-          <a:spcPct val="90000"/>
+          <a:spcPct val="120000"/>
         </a:lnSpc>
         <a:spcBef>
           <a:spcPts val="500"/>
         </a:spcBef>
+        <a:buClr>
+          <a:schemeClr val="accent1"/>
+        </a:buClr>
+        <a:buSzPct val="160000"/>
         <a:buFont typeface="Arial" panose="020B0604020202020204" pitchFamily="34" charset="0"/>
         <a:buChar char="•"/>
-        <a:defRPr sz="1600" kern="1200">
+        <a:defRPr sz="1400" kern="1200" cap="all" baseline="0">
           <a:solidFill>
             <a:schemeClr val="tx1"/>
           </a:solidFill>
+          <a:effectLst/>
           <a:latin typeface="+mn-lt"/>
           <a:ea typeface="+mn-ea"/>
           <a:cs typeface="+mn-cs"/>
@@ -5618,17 +6009,22 @@
       </a:lvl8pPr>
       <a:lvl9pPr marL="3886200" indent="-228600" algn="l" defTabSz="914400" rtl="0" eaLnBrk="1" latinLnBrk="0" hangingPunct="1">
         <a:lnSpc>
-          <a:spcPct val="90000"/>
+          <a:spcPct val="120000"/>
         </a:lnSpc>
         <a:spcBef>
           <a:spcPts val="500"/>
         </a:spcBef>
+        <a:buClr>
+          <a:schemeClr val="accent1"/>
+        </a:buClr>
+        <a:buSzPct val="160000"/>
         <a:buFont typeface="Arial" panose="020B0604020202020204" pitchFamily="34" charset="0"/>
         <a:buChar char="•"/>
-        <a:defRPr sz="1600" kern="1200">
+        <a:defRPr sz="1400" kern="1200" cap="all" baseline="0">
           <a:solidFill>
             <a:schemeClr val="tx1"/>
           </a:solidFill>
+          <a:effectLst/>
           <a:latin typeface="+mn-lt"/>
           <a:ea typeface="+mn-ea"/>
           <a:cs typeface="+mn-cs"/>
@@ -5840,7 +6236,7 @@
             <a:spLocks noGrp="1"/>
           </p:cNvSpPr>
           <p:nvPr>
-            <p:ph idx="1"/>
+            <p:ph sz="quarter" idx="13"/>
           </p:nvPr>
         </p:nvSpPr>
         <p:spPr/>
@@ -5936,7 +6332,7 @@
             <a:spLocks noGrp="1"/>
           </p:cNvSpPr>
           <p:nvPr>
-            <p:ph idx="1"/>
+            <p:ph sz="quarter" idx="13"/>
           </p:nvPr>
         </p:nvSpPr>
         <p:spPr/>
@@ -5953,11 +6349,7 @@
             </a:r>
             <a:r>
               <a:rPr lang="es-CL" dirty="0"/>
-              <a:t>con </a:t>
-            </a:r>
-            <a:r>
-              <a:rPr lang="es-CL" dirty="0"/>
-              <a:t>publicidad </a:t>
+              <a:t>con publicidad </a:t>
             </a:r>
             <a:r>
               <a:rPr lang="es-CL" dirty="0" smtClean="0"/>
@@ -6077,7 +6469,7 @@
             <a:spLocks noGrp="1"/>
           </p:cNvSpPr>
           <p:nvPr>
-            <p:ph idx="1"/>
+            <p:ph sz="quarter" idx="13"/>
           </p:nvPr>
         </p:nvSpPr>
         <p:spPr/>
@@ -6171,9 +6563,9 @@
 </file>
 
 <file path=ppt/theme/theme1.xml><?xml version="1.0" encoding="utf-8"?>
-<a:theme xmlns:a="http://schemas.openxmlformats.org/drawingml/2006/main" name="Estela de condensación">
+<a:theme xmlns:a="http://schemas.openxmlformats.org/drawingml/2006/main" name="Evento principal">
   <a:themeElements>
-    <a:clrScheme name="Estela de condensación">
+    <a:clrScheme name="Evento principal">
       <a:dk1>
         <a:sysClr val="windowText" lastClr="000000"/>
       </a:dk1>
@@ -6181,39 +6573,39 @@
         <a:sysClr val="window" lastClr="FFFFFF"/>
       </a:lt1>
       <a:dk2>
-        <a:srgbClr val="454545"/>
+        <a:srgbClr val="424242"/>
       </a:dk2>
       <a:lt2>
-        <a:srgbClr val="DADADA"/>
+        <a:srgbClr val="C8C8C8"/>
       </a:lt2>
       <a:accent1>
-        <a:srgbClr val="01D17D"/>
+        <a:srgbClr val="B80E0F"/>
       </a:accent1>
       <a:accent2>
-        <a:srgbClr val="84C72A"/>
+        <a:srgbClr val="A6987D"/>
       </a:accent2>
       <a:accent3>
-        <a:srgbClr val="E1D126"/>
+        <a:srgbClr val="7F9A71"/>
       </a:accent3>
       <a:accent4>
-        <a:srgbClr val="E29932"/>
+        <a:srgbClr val="64969F"/>
       </a:accent4>
       <a:accent5>
-        <a:srgbClr val="E56526"/>
+        <a:srgbClr val="9B75B2"/>
       </a:accent5>
       <a:accent6>
-        <a:srgbClr val="D63731"/>
+        <a:srgbClr val="80737A"/>
       </a:accent6>
       <a:hlink>
-        <a:srgbClr val="35FA7F"/>
+        <a:srgbClr val="F21213"/>
       </a:hlink>
       <a:folHlink>
-        <a:srgbClr val="BAFC85"/>
+        <a:srgbClr val="B6A394"/>
       </a:folHlink>
     </a:clrScheme>
-    <a:fontScheme name="Estela de condensación">
+    <a:fontScheme name="Evento principal">
       <a:majorFont>
-        <a:latin typeface="Century Gothic" panose="020B0502020202020204"/>
+        <a:latin typeface="Impact" panose="020B0806030902050204"/>
         <a:ea typeface=""/>
         <a:cs typeface=""/>
         <a:font script="Jpan" typeface="ＭＳ Ｐゴシック"/>
@@ -6248,7 +6640,7 @@
         <a:font script="Geor" typeface="Sylfaen"/>
       </a:majorFont>
       <a:minorFont>
-        <a:latin typeface="Century Gothic" panose="020B0502020202020204"/>
+        <a:latin typeface="Impact" panose="020B0806030902050204"/>
         <a:ea typeface=""/>
         <a:cs typeface=""/>
         <a:font script="Jpan" typeface="ＭＳ Ｐゴシック"/>
@@ -6283,72 +6675,47 @@
         <a:font script="Geor" typeface="Sylfaen"/>
       </a:minorFont>
     </a:fontScheme>
-    <a:fmtScheme name="Estela de condensación">
+    <a:fmtScheme name="Evento principal">
       <a:fillStyleLst>
         <a:solidFill>
           <a:schemeClr val="phClr"/>
         </a:solidFill>
-        <a:gradFill rotWithShape="1">
-          <a:gsLst>
-            <a:gs pos="0">
+        <a:solidFill>
+          <a:schemeClr val="phClr">
+            <a:tint val="69000"/>
+            <a:satMod val="105000"/>
+            <a:lumMod val="110000"/>
+          </a:schemeClr>
+        </a:solidFill>
+        <a:blipFill>
+          <a:blip xmlns:r="http://schemas.openxmlformats.org/officeDocument/2006/relationships" r:embed="rId1">
+            <a:duotone>
               <a:schemeClr val="phClr">
-                <a:tint val="69000"/>
-                <a:alpha val="100000"/>
-                <a:satMod val="109000"/>
-                <a:lumMod val="110000"/>
+                <a:shade val="88000"/>
+                <a:lumMod val="88000"/>
               </a:schemeClr>
-            </a:gs>
-            <a:gs pos="52000">
-              <a:schemeClr val="phClr">
-                <a:tint val="74000"/>
-                <a:satMod val="100000"/>
-                <a:lumMod val="104000"/>
-              </a:schemeClr>
-            </a:gs>
-            <a:gs pos="100000">
-              <a:schemeClr val="phClr">
-                <a:tint val="78000"/>
-                <a:satMod val="100000"/>
-                <a:lumMod val="100000"/>
-              </a:schemeClr>
-            </a:gs>
-          </a:gsLst>
-          <a:lin ang="5400000" scaled="0"/>
-        </a:gradFill>
-        <a:gradFill rotWithShape="1">
-          <a:gsLst>
-            <a:gs pos="0">
-              <a:schemeClr val="phClr">
-                <a:tint val="96000"/>
-                <a:satMod val="100000"/>
-                <a:lumMod val="104000"/>
-              </a:schemeClr>
-            </a:gs>
-            <a:gs pos="78000">
-              <a:schemeClr val="phClr">
-                <a:shade val="100000"/>
-                <a:satMod val="110000"/>
-                <a:lumMod val="100000"/>
-              </a:schemeClr>
-            </a:gs>
-          </a:gsLst>
-          <a:lin ang="5400000" scaled="0"/>
-        </a:gradFill>
+              <a:schemeClr val="phClr"/>
+            </a:duotone>
+          </a:blip>
+          <a:tile tx="0" ty="0" sx="100000" sy="100000" flip="none" algn="tl"/>
+        </a:blipFill>
       </a:fillStyleLst>
       <a:lnStyleLst>
         <a:ln w="9525" cap="flat" cmpd="sng" algn="ctr">
+          <a:solidFill>
+            <a:schemeClr val="phClr">
+              <a:shade val="60000"/>
+            </a:schemeClr>
+          </a:solidFill>
+          <a:prstDash val="solid"/>
+        </a:ln>
+        <a:ln w="19050" cap="flat" cmpd="sng" algn="ctr">
           <a:solidFill>
             <a:schemeClr val="phClr"/>
           </a:solidFill>
           <a:prstDash val="solid"/>
         </a:ln>
-        <a:ln w="12700" cap="flat" cmpd="sng" algn="ctr">
-          <a:solidFill>
-            <a:schemeClr val="phClr"/>
-          </a:solidFill>
-          <a:prstDash val="solid"/>
-        </a:ln>
-        <a:ln w="19050" cap="flat" cmpd="sng" algn="ctr">
+        <a:ln w="25400" cap="flat" cmpd="sng" algn="ctr">
           <a:solidFill>
             <a:schemeClr val="phClr"/>
           </a:solidFill>
@@ -6361,72 +6728,54 @@
         </a:effectStyle>
         <a:effectStyle>
           <a:effectLst/>
-          <a:scene3d>
-            <a:camera prst="orthographicFront">
-              <a:rot lat="0" lon="0" rev="0"/>
-            </a:camera>
-            <a:lightRig rig="threePt" dir="t"/>
-          </a:scene3d>
-          <a:sp3d>
-            <a:bevelT w="25400" h="12700"/>
-          </a:sp3d>
         </a:effectStyle>
         <a:effectStyle>
           <a:effectLst>
-            <a:outerShdw blurRad="57150" dist="19050" dir="5400000" algn="ctr" rotWithShape="0">
+            <a:outerShdw blurRad="25400" dist="12700" dir="5400000" rotWithShape="0">
               <a:srgbClr val="000000">
-                <a:alpha val="48000"/>
+                <a:alpha val="60000"/>
               </a:srgbClr>
             </a:outerShdw>
           </a:effectLst>
-          <a:scene3d>
-            <a:camera prst="orthographicFront">
-              <a:rot lat="0" lon="0" rev="0"/>
-            </a:camera>
-            <a:lightRig rig="threePt" dir="t"/>
-          </a:scene3d>
-          <a:sp3d>
-            <a:bevelT w="50800" h="25400"/>
-          </a:sp3d>
         </a:effectStyle>
       </a:effectStyleLst>
       <a:bgFillStyleLst>
         <a:solidFill>
           <a:schemeClr val="phClr"/>
         </a:solidFill>
-        <a:solidFill>
-          <a:schemeClr val="phClr">
-            <a:tint val="95000"/>
-            <a:satMod val="170000"/>
-          </a:schemeClr>
-        </a:solidFill>
         <a:gradFill rotWithShape="1">
           <a:gsLst>
             <a:gs pos="0">
               <a:schemeClr val="phClr">
-                <a:tint val="93000"/>
-                <a:shade val="98000"/>
-                <a:satMod val="150000"/>
-                <a:lumMod val="102000"/>
-              </a:schemeClr>
-            </a:gs>
-            <a:gs pos="50000">
-              <a:schemeClr val="phClr">
-                <a:tint val="98000"/>
-                <a:shade val="90000"/>
-                <a:satMod val="130000"/>
-                <a:lumMod val="103000"/>
+                <a:tint val="90000"/>
+                <a:lumMod val="110000"/>
               </a:schemeClr>
             </a:gs>
             <a:gs pos="100000">
               <a:schemeClr val="phClr">
-                <a:shade val="63000"/>
-                <a:satMod val="120000"/>
+                <a:shade val="88000"/>
+                <a:lumMod val="88000"/>
               </a:schemeClr>
             </a:gs>
           </a:gsLst>
           <a:lin ang="5400000" scaled="0"/>
         </a:gradFill>
+        <a:blipFill>
+          <a:blip xmlns:r="http://schemas.openxmlformats.org/officeDocument/2006/relationships" r:embed="rId2">
+            <a:duotone>
+              <a:schemeClr val="phClr">
+                <a:shade val="48000"/>
+                <a:satMod val="110000"/>
+                <a:lumMod val="40000"/>
+              </a:schemeClr>
+              <a:schemeClr val="phClr">
+                <a:tint val="90000"/>
+                <a:lumMod val="106000"/>
+              </a:schemeClr>
+            </a:duotone>
+          </a:blip>
+          <a:stretch/>
+        </a:blipFill>
       </a:bgFillStyleLst>
     </a:fmtScheme>
   </a:themeElements>
@@ -6434,7 +6783,7 @@
   <a:extraClrSchemeLst/>
   <a:extLst>
     <a:ext uri="{05A4C25C-085E-4340-85A3-A5531E510DB2}">
-      <thm15:themeFamily xmlns:thm15="http://schemas.microsoft.com/office/thememl/2012/main" name="Vapor Trail" id="{4FDF2955-7D9C-493C-B9F9-C205151B46CD}" vid="{2B2A868B-6BC2-4B3E-98B9-1258F41035DE}"/>
+      <thm15:themeFamily xmlns:thm15="http://schemas.microsoft.com/office/thememl/2012/main" name="Main Event" id="{AC372BB4-D83D-411E-B849-B641926BA760}" vid="{F1EFBDE3-1A95-4E3D-81AD-1F53D65BEA01}"/>
     </a:ext>
   </a:extLst>
 </a:theme>
